--- a/Airline_Information_Management.pptx
+++ b/Airline_Information_Management.pptx
@@ -391,7 +391,7 @@
           <a:p>
             <a:fld id="{6422C9F5-CE6F-4BEE-84C2-81E4985345AA}" type="datetimeFigureOut">
               <a:rPr lang="en-US" smtClean="0"/>
-              <a:t>12/19/2021</a:t>
+              <a:t>12/20/2021</a:t>
             </a:fld>
             <a:endParaRPr lang="en-US"/>
           </a:p>
@@ -589,7 +589,7 @@
           <a:p>
             <a:fld id="{6422C9F5-CE6F-4BEE-84C2-81E4985345AA}" type="datetimeFigureOut">
               <a:rPr lang="en-US" smtClean="0"/>
-              <a:t>12/19/2021</a:t>
+              <a:t>12/20/2021</a:t>
             </a:fld>
             <a:endParaRPr lang="en-US"/>
           </a:p>
@@ -797,7 +797,7 @@
           <a:p>
             <a:fld id="{6422C9F5-CE6F-4BEE-84C2-81E4985345AA}" type="datetimeFigureOut">
               <a:rPr lang="en-US" smtClean="0"/>
-              <a:t>12/19/2021</a:t>
+              <a:t>12/20/2021</a:t>
             </a:fld>
             <a:endParaRPr lang="en-US"/>
           </a:p>
@@ -995,7 +995,7 @@
           <a:p>
             <a:fld id="{6422C9F5-CE6F-4BEE-84C2-81E4985345AA}" type="datetimeFigureOut">
               <a:rPr lang="en-US" smtClean="0"/>
-              <a:t>12/19/2021</a:t>
+              <a:t>12/20/2021</a:t>
             </a:fld>
             <a:endParaRPr lang="en-US"/>
           </a:p>
@@ -1270,7 +1270,7 @@
           <a:p>
             <a:fld id="{6422C9F5-CE6F-4BEE-84C2-81E4985345AA}" type="datetimeFigureOut">
               <a:rPr lang="en-US" smtClean="0"/>
-              <a:t>12/19/2021</a:t>
+              <a:t>12/20/2021</a:t>
             </a:fld>
             <a:endParaRPr lang="en-US"/>
           </a:p>
@@ -1535,7 +1535,7 @@
           <a:p>
             <a:fld id="{6422C9F5-CE6F-4BEE-84C2-81E4985345AA}" type="datetimeFigureOut">
               <a:rPr lang="en-US" smtClean="0"/>
-              <a:t>12/19/2021</a:t>
+              <a:t>12/20/2021</a:t>
             </a:fld>
             <a:endParaRPr lang="en-US"/>
           </a:p>
@@ -1947,7 +1947,7 @@
           <a:p>
             <a:fld id="{6422C9F5-CE6F-4BEE-84C2-81E4985345AA}" type="datetimeFigureOut">
               <a:rPr lang="en-US" smtClean="0"/>
-              <a:t>12/19/2021</a:t>
+              <a:t>12/20/2021</a:t>
             </a:fld>
             <a:endParaRPr lang="en-US"/>
           </a:p>
@@ -2088,7 +2088,7 @@
           <a:p>
             <a:fld id="{6422C9F5-CE6F-4BEE-84C2-81E4985345AA}" type="datetimeFigureOut">
               <a:rPr lang="en-US" smtClean="0"/>
-              <a:t>12/19/2021</a:t>
+              <a:t>12/20/2021</a:t>
             </a:fld>
             <a:endParaRPr lang="en-US"/>
           </a:p>
@@ -2201,7 +2201,7 @@
           <a:p>
             <a:fld id="{6422C9F5-CE6F-4BEE-84C2-81E4985345AA}" type="datetimeFigureOut">
               <a:rPr lang="en-US" smtClean="0"/>
-              <a:t>12/19/2021</a:t>
+              <a:t>12/20/2021</a:t>
             </a:fld>
             <a:endParaRPr lang="en-US"/>
           </a:p>
@@ -2512,7 +2512,7 @@
           <a:p>
             <a:fld id="{6422C9F5-CE6F-4BEE-84C2-81E4985345AA}" type="datetimeFigureOut">
               <a:rPr lang="en-US" smtClean="0"/>
-              <a:t>12/19/2021</a:t>
+              <a:t>12/20/2021</a:t>
             </a:fld>
             <a:endParaRPr lang="en-US"/>
           </a:p>
@@ -2800,7 +2800,7 @@
           <a:p>
             <a:fld id="{6422C9F5-CE6F-4BEE-84C2-81E4985345AA}" type="datetimeFigureOut">
               <a:rPr lang="en-US" smtClean="0"/>
-              <a:t>12/19/2021</a:t>
+              <a:t>12/20/2021</a:t>
             </a:fld>
             <a:endParaRPr lang="en-US"/>
           </a:p>
@@ -3041,7 +3041,7 @@
           <a:p>
             <a:fld id="{6422C9F5-CE6F-4BEE-84C2-81E4985345AA}" type="datetimeFigureOut">
               <a:rPr lang="en-US" smtClean="0"/>
-              <a:t>12/19/2021</a:t>
+              <a:t>12/20/2021</a:t>
             </a:fld>
             <a:endParaRPr lang="en-US"/>
           </a:p>
@@ -5693,78 +5693,12 @@
           <a:chExt cx="0" cy="0"/>
         </a:xfrm>
       </p:grpSpPr>
-      <p:sp>
-        <p:nvSpPr>
-          <p:cNvPr id="3" name="Content Placeholder 2">
-            <a:extLst>
-              <a:ext uri="{FF2B5EF4-FFF2-40B4-BE49-F238E27FC236}">
-                <a16:creationId xmlns:a16="http://schemas.microsoft.com/office/drawing/2014/main" id="{85F8C973-E34A-4BB1-B4F7-B731E0A66CEF}"/>
-              </a:ext>
-            </a:extLst>
-          </p:cNvPr>
-          <p:cNvSpPr>
-            <a:spLocks noGrp="1"/>
-          </p:cNvSpPr>
-          <p:nvPr>
-            <p:ph idx="1"/>
-          </p:nvPr>
-        </p:nvSpPr>
-        <p:spPr>
-          <a:xfrm>
-            <a:off x="704850" y="1835150"/>
-            <a:ext cx="11184009" cy="1544637"/>
-          </a:xfrm>
-        </p:spPr>
-        <p:txBody>
-          <a:bodyPr>
-            <a:normAutofit/>
-          </a:bodyPr>
-          <a:lstStyle/>
-          <a:p>
-            <a:pPr marL="0" indent="0">
-              <a:buNone/>
-            </a:pPr>
-            <a:r>
-              <a:rPr lang="en-US" sz="2000" b="1" dirty="0"/>
-              <a:t>Gonçalo</a:t>
-            </a:r>
-          </a:p>
-          <a:p>
-            <a:pPr marL="0" indent="0">
-              <a:buNone/>
-            </a:pPr>
-            <a:r>
-              <a:rPr lang="en-US" sz="2000" b="1" dirty="0"/>
-              <a:t>Difficulties: </a:t>
-            </a:r>
-            <a:r>
-              <a:rPr lang="en-US" sz="2000" dirty="0" err="1"/>
-              <a:t>eeeee</a:t>
-            </a:r>
-            <a:endParaRPr lang="en-US" sz="2000" dirty="0"/>
-          </a:p>
-          <a:p>
-            <a:pPr marL="0" indent="0">
-              <a:buNone/>
-            </a:pPr>
-            <a:r>
-              <a:rPr lang="en-US" sz="2000" b="1" dirty="0"/>
-              <a:t>Solution: </a:t>
-            </a:r>
-            <a:r>
-              <a:rPr lang="en-US" sz="2000" dirty="0" err="1"/>
-              <a:t>eee</a:t>
-            </a:r>
-            <a:endParaRPr lang="en-US" sz="2000" b="1" dirty="0"/>
-          </a:p>
-        </p:txBody>
-      </p:sp>
       <p:pic>
         <p:nvPicPr>
-          <p:cNvPr id="5" name="Picture 4" descr="A picture containing text, clipart&#10;&#10;Description automatically generated">
-            <a:extLst>
-              <a:ext uri="{FF2B5EF4-FFF2-40B4-BE49-F238E27FC236}">
-                <a16:creationId xmlns:a16="http://schemas.microsoft.com/office/drawing/2014/main" id="{AEEF4F80-6182-437F-8FB9-E546318E1786}"/>
+          <p:cNvPr id="10" name="Picture 9" descr="Diagram&#10;&#10;Description automatically generated">
+            <a:extLst>
+              <a:ext uri="{FF2B5EF4-FFF2-40B4-BE49-F238E27FC236}">
+                <a16:creationId xmlns:a16="http://schemas.microsoft.com/office/drawing/2014/main" id="{377E423E-4685-4568-AFF6-A505E374C86E}"/>
               </a:ext>
             </a:extLst>
           </p:cNvPr>
@@ -5775,6 +5709,42 @@
         </p:nvPicPr>
         <p:blipFill>
           <a:blip r:embed="rId2">
+            <a:extLst>
+              <a:ext uri="{28A0092B-C50C-407E-A947-70E740481C1C}">
+                <a14:useLocalDpi xmlns:a14="http://schemas.microsoft.com/office/drawing/2010/main" val="0"/>
+              </a:ext>
+            </a:extLst>
+          </a:blip>
+          <a:stretch>
+            <a:fillRect/>
+          </a:stretch>
+        </p:blipFill>
+        <p:spPr>
+          <a:xfrm>
+            <a:off x="1441548" y="1485105"/>
+            <a:ext cx="5450991" cy="5027351"/>
+          </a:xfrm>
+          <a:prstGeom prst="rect">
+            <a:avLst/>
+          </a:prstGeom>
+        </p:spPr>
+      </p:pic>
+      <p:pic>
+        <p:nvPicPr>
+          <p:cNvPr id="5" name="Picture 4" descr="A picture containing text, clipart&#10;&#10;Description automatically generated">
+            <a:extLst>
+              <a:ext uri="{FF2B5EF4-FFF2-40B4-BE49-F238E27FC236}">
+                <a16:creationId xmlns:a16="http://schemas.microsoft.com/office/drawing/2014/main" id="{AEEF4F80-6182-437F-8FB9-E546318E1786}"/>
+              </a:ext>
+            </a:extLst>
+          </p:cNvPr>
+          <p:cNvPicPr>
+            <a:picLocks noChangeAspect="1"/>
+          </p:cNvPicPr>
+          <p:nvPr/>
+        </p:nvPicPr>
+        <p:blipFill>
+          <a:blip r:embed="rId3">
             <a:extLst>
               <a:ext uri="{28A0092B-C50C-407E-A947-70E740481C1C}">
                 <a14:useLocalDpi xmlns:a14="http://schemas.microsoft.com/office/drawing/2010/main" val="0"/>
@@ -5843,9 +5813,55 @@
           </a:lstStyle>
           <a:p>
             <a:r>
-              <a:rPr lang="en-US" b="1" dirty="0"/>
+              <a:rPr lang="en-US" b="1"/>
               <a:t>Class Diagram</a:t>
             </a:r>
+            <a:endParaRPr lang="en-US" b="1" dirty="0"/>
+          </a:p>
+        </p:txBody>
+      </p:sp>
+      <p:sp>
+        <p:nvSpPr>
+          <p:cNvPr id="16" name="Content Placeholder 2">
+            <a:extLst>
+              <a:ext uri="{FF2B5EF4-FFF2-40B4-BE49-F238E27FC236}">
+                <a16:creationId xmlns:a16="http://schemas.microsoft.com/office/drawing/2014/main" id="{3BF50358-172D-408F-ABA7-0365E69DC8DF}"/>
+              </a:ext>
+            </a:extLst>
+          </p:cNvPr>
+          <p:cNvSpPr>
+            <a:spLocks noGrp="1"/>
+          </p:cNvSpPr>
+          <p:nvPr>
+            <p:ph idx="1"/>
+          </p:nvPr>
+        </p:nvSpPr>
+        <p:spPr>
+          <a:xfrm>
+            <a:off x="7924800" y="3998780"/>
+            <a:ext cx="3640043" cy="1544637"/>
+          </a:xfrm>
+        </p:spPr>
+        <p:txBody>
+          <a:bodyPr>
+            <a:normAutofit/>
+          </a:bodyPr>
+          <a:lstStyle/>
+          <a:p>
+            <a:pPr marL="0" indent="0">
+              <a:buNone/>
+            </a:pPr>
+            <a:r>
+              <a:rPr lang="en-US" sz="2000" b="1" dirty="0"/>
+              <a:t>Download the full diagram </a:t>
+            </a:r>
+            <a:r>
+              <a:rPr lang="en-US" sz="2000" b="1" dirty="0">
+                <a:hlinkClick r:id="rId4"/>
+              </a:rPr>
+              <a:t>here</a:t>
+            </a:r>
+            <a:endParaRPr lang="en-US" sz="2000" b="1" dirty="0"/>
           </a:p>
         </p:txBody>
       </p:sp>
@@ -8751,6 +8767,21 @@
 </file>
 
 <file path=customXml/item1.xml><?xml version="1.0" encoding="utf-8"?>
+<p:properties xmlns:p="http://schemas.microsoft.com/office/2006/metadata/properties" xmlns:xsi="http://www.w3.org/2001/XMLSchema-instance" xmlns:pc="http://schemas.microsoft.com/office/infopath/2007/PartnerControls">
+  <documentManagement/>
+</p:properties>
+</file>
+
+<file path=customXml/item2.xml><?xml version="1.0" encoding="utf-8"?>
+<?mso-contentType ?>
+<FormTemplates xmlns="http://schemas.microsoft.com/sharepoint/v3/contenttype/forms">
+  <Display>DocumentLibraryForm</Display>
+  <Edit>DocumentLibraryForm</Edit>
+  <New>DocumentLibraryForm</New>
+</FormTemplates>
+</file>
+
+<file path=customXml/item3.xml><?xml version="1.0" encoding="utf-8"?>
 <ct:contentTypeSchema xmlns:ct="http://schemas.microsoft.com/office/2006/metadata/contentType" xmlns:ma="http://schemas.microsoft.com/office/2006/metadata/properties/metaAttributes" ct:_="" ma:_="" ma:contentTypeName="Documento" ma:contentTypeID="0x01010014BC32AFF3718747B5A2CE47A88F3C6A" ma:contentTypeVersion="2" ma:contentTypeDescription="Criar um novo documento." ma:contentTypeScope="" ma:versionID="fee3d826901bcb9451dce0bbc19dadc3">
   <xsd:schema xmlns:xsd="http://www.w3.org/2001/XMLSchema" xmlns:xs="http://www.w3.org/2001/XMLSchema" xmlns:p="http://schemas.microsoft.com/office/2006/metadata/properties" xmlns:ns3="a47fcd35-67e3-4b66-9352-8d0db098ec50" targetNamespace="http://schemas.microsoft.com/office/2006/metadata/properties" ma:root="true" ma:fieldsID="deb6b73c7f47f6e6612a6af669b62c39" ns3:_="">
     <xsd:import namespace="a47fcd35-67e3-4b66-9352-8d0db098ec50"/>
@@ -8882,22 +8913,31 @@
 </ct:contentTypeSchema>
 </file>
 
-<file path=customXml/item2.xml><?xml version="1.0" encoding="utf-8"?>
-<?mso-contentType ?>
-<FormTemplates xmlns="http://schemas.microsoft.com/sharepoint/v3/contenttype/forms">
-  <Display>DocumentLibraryForm</Display>
-  <Edit>DocumentLibraryForm</Edit>
-  <New>DocumentLibraryForm</New>
-</FormTemplates>
+<file path=customXml/itemProps1.xml><?xml version="1.0" encoding="utf-8"?>
+<ds:datastoreItem xmlns:ds="http://schemas.openxmlformats.org/officeDocument/2006/customXml" ds:itemID="{05E380B0-3793-4519-A034-114F335A5299}">
+  <ds:schemaRefs>
+    <ds:schemaRef ds:uri="http://purl.org/dc/dcmitype/"/>
+    <ds:schemaRef ds:uri="http://purl.org/dc/terms/"/>
+    <ds:schemaRef ds:uri="http://schemas.microsoft.com/office/2006/metadata/properties"/>
+    <ds:schemaRef ds:uri="http://schemas.microsoft.com/office/2006/documentManagement/types"/>
+    <ds:schemaRef ds:uri="a47fcd35-67e3-4b66-9352-8d0db098ec50"/>
+    <ds:schemaRef ds:uri="http://schemas.openxmlformats.org/package/2006/metadata/core-properties"/>
+    <ds:schemaRef ds:uri="http://purl.org/dc/elements/1.1/"/>
+    <ds:schemaRef ds:uri="http://schemas.microsoft.com/office/infopath/2007/PartnerControls"/>
+    <ds:schemaRef ds:uri="http://www.w3.org/XML/1998/namespace"/>
+  </ds:schemaRefs>
+</ds:datastoreItem>
 </file>
 
-<file path=customXml/item3.xml><?xml version="1.0" encoding="utf-8"?>
-<p:properties xmlns:p="http://schemas.microsoft.com/office/2006/metadata/properties" xmlns:xsi="http://www.w3.org/2001/XMLSchema-instance" xmlns:pc="http://schemas.microsoft.com/office/infopath/2007/PartnerControls">
-  <documentManagement/>
-</p:properties>
+<file path=customXml/itemProps2.xml><?xml version="1.0" encoding="utf-8"?>
+<ds:datastoreItem xmlns:ds="http://schemas.openxmlformats.org/officeDocument/2006/customXml" ds:itemID="{76EE102A-C587-47D4-980D-6EF803504572}">
+  <ds:schemaRefs>
+    <ds:schemaRef ds:uri="http://schemas.microsoft.com/sharepoint/v3/contenttype/forms"/>
+  </ds:schemaRefs>
+</ds:datastoreItem>
 </file>
 
-<file path=customXml/itemProps1.xml><?xml version="1.0" encoding="utf-8"?>
+<file path=customXml/itemProps3.xml><?xml version="1.0" encoding="utf-8"?>
 <ds:datastoreItem xmlns:ds="http://schemas.openxmlformats.org/officeDocument/2006/customXml" ds:itemID="{9697E427-2E56-4B40-B661-233DAE44C32F}">
   <ds:schemaRefs>
     <ds:schemaRef ds:uri="http://schemas.microsoft.com/office/2006/metadata/contentType"/>
@@ -8913,28 +8953,4 @@
     <ds:schemaRef ds:uri="http://schemas.microsoft.com/internal/obd"/>
   </ds:schemaRefs>
 </ds:datastoreItem>
-</file>
-
-<file path=customXml/itemProps2.xml><?xml version="1.0" encoding="utf-8"?>
-<ds:datastoreItem xmlns:ds="http://schemas.openxmlformats.org/officeDocument/2006/customXml" ds:itemID="{76EE102A-C587-47D4-980D-6EF803504572}">
-  <ds:schemaRefs>
-    <ds:schemaRef ds:uri="http://schemas.microsoft.com/sharepoint/v3/contenttype/forms"/>
-  </ds:schemaRefs>
-</ds:datastoreItem>
-</file>
-
-<file path=customXml/itemProps3.xml><?xml version="1.0" encoding="utf-8"?>
-<ds:datastoreItem xmlns:ds="http://schemas.openxmlformats.org/officeDocument/2006/customXml" ds:itemID="{05E380B0-3793-4519-A034-114F335A5299}">
-  <ds:schemaRefs>
-    <ds:schemaRef ds:uri="http://purl.org/dc/dcmitype/"/>
-    <ds:schemaRef ds:uri="http://purl.org/dc/terms/"/>
-    <ds:schemaRef ds:uri="http://schemas.microsoft.com/office/2006/metadata/properties"/>
-    <ds:schemaRef ds:uri="http://schemas.microsoft.com/office/2006/documentManagement/types"/>
-    <ds:schemaRef ds:uri="a47fcd35-67e3-4b66-9352-8d0db098ec50"/>
-    <ds:schemaRef ds:uri="http://schemas.openxmlformats.org/package/2006/metadata/core-properties"/>
-    <ds:schemaRef ds:uri="http://purl.org/dc/elements/1.1/"/>
-    <ds:schemaRef ds:uri="http://schemas.microsoft.com/office/infopath/2007/PartnerControls"/>
-    <ds:schemaRef ds:uri="http://www.w3.org/XML/1998/namespace"/>
-  </ds:schemaRefs>
-</ds:datastoreItem>
 </file>
--- a/Airline_Information_Management.pptx
+++ b/Airline_Information_Management.pptx
@@ -11,9 +11,8 @@
     <p:sldId id="262" r:id="rId8"/>
     <p:sldId id="261" r:id="rId9"/>
     <p:sldId id="260" r:id="rId10"/>
-    <p:sldId id="264" r:id="rId11"/>
-    <p:sldId id="258" r:id="rId12"/>
-    <p:sldId id="259" r:id="rId13"/>
+    <p:sldId id="258" r:id="rId11"/>
+    <p:sldId id="259" r:id="rId12"/>
   </p:sldIdLst>
   <p:sldSz cx="12192000" cy="6858000"/>
   <p:notesSz cx="6858000" cy="9144000"/>
@@ -5525,8 +5524,8 @@
         </p:nvSpPr>
         <p:spPr>
           <a:xfrm>
-            <a:off x="704850" y="1835150"/>
-            <a:ext cx="11184009" cy="1544637"/>
+            <a:off x="4314825" y="3187157"/>
+            <a:ext cx="3305175" cy="1453750"/>
           </a:xfrm>
         </p:spPr>
         <p:txBody>
@@ -5540,7 +5539,7 @@
             </a:pPr>
             <a:r>
               <a:rPr lang="en-US" sz="2000" b="1" dirty="0"/>
-              <a:t>Gonçalo</a:t>
+              <a:t>Interface</a:t>
             </a:r>
           </a:p>
           <a:p>
@@ -5548,26 +5547,8 @@
               <a:buNone/>
             </a:pPr>
             <a:r>
-              <a:rPr lang="en-US" sz="2000" b="1" dirty="0"/>
-              <a:t>Difficulties: </a:t>
-            </a:r>
-            <a:r>
-              <a:rPr lang="en-US" sz="2000" dirty="0" err="1"/>
-              <a:t>eeeee</a:t>
-            </a:r>
-            <a:endParaRPr lang="en-US" sz="2000" dirty="0"/>
-          </a:p>
-          <a:p>
-            <a:pPr marL="0" indent="0">
-              <a:buNone/>
-            </a:pPr>
-            <a:r>
-              <a:rPr lang="en-US" sz="2000" b="1" dirty="0"/>
-              <a:t>Solution: </a:t>
-            </a:r>
-            <a:r>
-              <a:rPr lang="en-US" sz="2000" dirty="0" err="1"/>
-              <a:t>eee</a:t>
+              <a:rPr lang="en-US" sz="2000" dirty="0"/>
+              <a:t>Connects all classes and allows user to interact with them</a:t>
             </a:r>
             <a:endParaRPr lang="en-US" sz="2000" b="1" dirty="0"/>
           </a:p>
@@ -5658,7 +5639,862 @@
           <a:p>
             <a:r>
               <a:rPr lang="en-US" b="1" dirty="0"/>
-              <a:t>Solution description (1)</a:t>
+              <a:t>Solution description</a:t>
+            </a:r>
+          </a:p>
+        </p:txBody>
+      </p:sp>
+      <p:sp>
+        <p:nvSpPr>
+          <p:cNvPr id="7" name="Content Placeholder 2">
+            <a:extLst>
+              <a:ext uri="{FF2B5EF4-FFF2-40B4-BE49-F238E27FC236}">
+                <a16:creationId xmlns:a16="http://schemas.microsoft.com/office/drawing/2014/main" id="{56E9AF4D-8AA4-4E96-AC7E-370F3720FB78}"/>
+              </a:ext>
+            </a:extLst>
+          </p:cNvPr>
+          <p:cNvSpPr txBox="1">
+            <a:spLocks/>
+          </p:cNvSpPr>
+          <p:nvPr/>
+        </p:nvSpPr>
+        <p:spPr>
+          <a:xfrm>
+            <a:off x="426968" y="1733407"/>
+            <a:ext cx="5335658" cy="1453750"/>
+          </a:xfrm>
+          <a:prstGeom prst="rect">
+            <a:avLst/>
+          </a:prstGeom>
+        </p:spPr>
+        <p:txBody>
+          <a:bodyPr vert="horz" lIns="91440" tIns="45720" rIns="91440" bIns="45720" rtlCol="0">
+            <a:normAutofit/>
+          </a:bodyPr>
+          <a:lstStyle>
+            <a:lvl1pPr marL="228600" indent="-228600" algn="l" defTabSz="914400" rtl="0" eaLnBrk="1" latinLnBrk="0" hangingPunct="1">
+              <a:lnSpc>
+                <a:spcPct val="90000"/>
+              </a:lnSpc>
+              <a:spcBef>
+                <a:spcPts val="1000"/>
+              </a:spcBef>
+              <a:buFont typeface="Arial" panose="020B0604020202020204" pitchFamily="34" charset="0"/>
+              <a:buChar char="•"/>
+              <a:defRPr sz="2800" kern="1200">
+                <a:solidFill>
+                  <a:schemeClr val="tx1"/>
+                </a:solidFill>
+                <a:latin typeface="+mn-lt"/>
+                <a:ea typeface="+mn-ea"/>
+                <a:cs typeface="+mn-cs"/>
+              </a:defRPr>
+            </a:lvl1pPr>
+            <a:lvl2pPr marL="685800" indent="-228600" algn="l" defTabSz="914400" rtl="0" eaLnBrk="1" latinLnBrk="0" hangingPunct="1">
+              <a:lnSpc>
+                <a:spcPct val="90000"/>
+              </a:lnSpc>
+              <a:spcBef>
+                <a:spcPts val="500"/>
+              </a:spcBef>
+              <a:buFont typeface="Arial" panose="020B0604020202020204" pitchFamily="34" charset="0"/>
+              <a:buChar char="•"/>
+              <a:defRPr sz="2400" kern="1200">
+                <a:solidFill>
+                  <a:schemeClr val="tx1"/>
+                </a:solidFill>
+                <a:latin typeface="+mn-lt"/>
+                <a:ea typeface="+mn-ea"/>
+                <a:cs typeface="+mn-cs"/>
+              </a:defRPr>
+            </a:lvl2pPr>
+            <a:lvl3pPr marL="1143000" indent="-228600" algn="l" defTabSz="914400" rtl="0" eaLnBrk="1" latinLnBrk="0" hangingPunct="1">
+              <a:lnSpc>
+                <a:spcPct val="90000"/>
+              </a:lnSpc>
+              <a:spcBef>
+                <a:spcPts val="500"/>
+              </a:spcBef>
+              <a:buFont typeface="Arial" panose="020B0604020202020204" pitchFamily="34" charset="0"/>
+              <a:buChar char="•"/>
+              <a:defRPr sz="2000" kern="1200">
+                <a:solidFill>
+                  <a:schemeClr val="tx1"/>
+                </a:solidFill>
+                <a:latin typeface="+mn-lt"/>
+                <a:ea typeface="+mn-ea"/>
+                <a:cs typeface="+mn-cs"/>
+              </a:defRPr>
+            </a:lvl3pPr>
+            <a:lvl4pPr marL="1600200" indent="-228600" algn="l" defTabSz="914400" rtl="0" eaLnBrk="1" latinLnBrk="0" hangingPunct="1">
+              <a:lnSpc>
+                <a:spcPct val="90000"/>
+              </a:lnSpc>
+              <a:spcBef>
+                <a:spcPts val="500"/>
+              </a:spcBef>
+              <a:buFont typeface="Arial" panose="020B0604020202020204" pitchFamily="34" charset="0"/>
+              <a:buChar char="•"/>
+              <a:defRPr sz="1800" kern="1200">
+                <a:solidFill>
+                  <a:schemeClr val="tx1"/>
+                </a:solidFill>
+                <a:latin typeface="+mn-lt"/>
+                <a:ea typeface="+mn-ea"/>
+                <a:cs typeface="+mn-cs"/>
+              </a:defRPr>
+            </a:lvl4pPr>
+            <a:lvl5pPr marL="2057400" indent="-228600" algn="l" defTabSz="914400" rtl="0" eaLnBrk="1" latinLnBrk="0" hangingPunct="1">
+              <a:lnSpc>
+                <a:spcPct val="90000"/>
+              </a:lnSpc>
+              <a:spcBef>
+                <a:spcPts val="500"/>
+              </a:spcBef>
+              <a:buFont typeface="Arial" panose="020B0604020202020204" pitchFamily="34" charset="0"/>
+              <a:buChar char="•"/>
+              <a:defRPr sz="1800" kern="1200">
+                <a:solidFill>
+                  <a:schemeClr val="tx1"/>
+                </a:solidFill>
+                <a:latin typeface="+mn-lt"/>
+                <a:ea typeface="+mn-ea"/>
+                <a:cs typeface="+mn-cs"/>
+              </a:defRPr>
+            </a:lvl5pPr>
+            <a:lvl6pPr marL="2514600" indent="-228600" algn="l" defTabSz="914400" rtl="0" eaLnBrk="1" latinLnBrk="0" hangingPunct="1">
+              <a:lnSpc>
+                <a:spcPct val="90000"/>
+              </a:lnSpc>
+              <a:spcBef>
+                <a:spcPts val="500"/>
+              </a:spcBef>
+              <a:buFont typeface="Arial" panose="020B0604020202020204" pitchFamily="34" charset="0"/>
+              <a:buChar char="•"/>
+              <a:defRPr sz="1800" kern="1200">
+                <a:solidFill>
+                  <a:schemeClr val="tx1"/>
+                </a:solidFill>
+                <a:latin typeface="+mn-lt"/>
+                <a:ea typeface="+mn-ea"/>
+                <a:cs typeface="+mn-cs"/>
+              </a:defRPr>
+            </a:lvl6pPr>
+            <a:lvl7pPr marL="2971800" indent="-228600" algn="l" defTabSz="914400" rtl="0" eaLnBrk="1" latinLnBrk="0" hangingPunct="1">
+              <a:lnSpc>
+                <a:spcPct val="90000"/>
+              </a:lnSpc>
+              <a:spcBef>
+                <a:spcPts val="500"/>
+              </a:spcBef>
+              <a:buFont typeface="Arial" panose="020B0604020202020204" pitchFamily="34" charset="0"/>
+              <a:buChar char="•"/>
+              <a:defRPr sz="1800" kern="1200">
+                <a:solidFill>
+                  <a:schemeClr val="tx1"/>
+                </a:solidFill>
+                <a:latin typeface="+mn-lt"/>
+                <a:ea typeface="+mn-ea"/>
+                <a:cs typeface="+mn-cs"/>
+              </a:defRPr>
+            </a:lvl7pPr>
+            <a:lvl8pPr marL="3429000" indent="-228600" algn="l" defTabSz="914400" rtl="0" eaLnBrk="1" latinLnBrk="0" hangingPunct="1">
+              <a:lnSpc>
+                <a:spcPct val="90000"/>
+              </a:lnSpc>
+              <a:spcBef>
+                <a:spcPts val="500"/>
+              </a:spcBef>
+              <a:buFont typeface="Arial" panose="020B0604020202020204" pitchFamily="34" charset="0"/>
+              <a:buChar char="•"/>
+              <a:defRPr sz="1800" kern="1200">
+                <a:solidFill>
+                  <a:schemeClr val="tx1"/>
+                </a:solidFill>
+                <a:latin typeface="+mn-lt"/>
+                <a:ea typeface="+mn-ea"/>
+                <a:cs typeface="+mn-cs"/>
+              </a:defRPr>
+            </a:lvl8pPr>
+            <a:lvl9pPr marL="3886200" indent="-228600" algn="l" defTabSz="914400" rtl="0" eaLnBrk="1" latinLnBrk="0" hangingPunct="1">
+              <a:lnSpc>
+                <a:spcPct val="90000"/>
+              </a:lnSpc>
+              <a:spcBef>
+                <a:spcPts val="500"/>
+              </a:spcBef>
+              <a:buFont typeface="Arial" panose="020B0604020202020204" pitchFamily="34" charset="0"/>
+              <a:buChar char="•"/>
+              <a:defRPr sz="1800" kern="1200">
+                <a:solidFill>
+                  <a:schemeClr val="tx1"/>
+                </a:solidFill>
+                <a:latin typeface="+mn-lt"/>
+                <a:ea typeface="+mn-ea"/>
+                <a:cs typeface="+mn-cs"/>
+              </a:defRPr>
+            </a:lvl9pPr>
+          </a:lstStyle>
+          <a:p>
+            <a:pPr marL="0" indent="0">
+              <a:buFont typeface="Arial" panose="020B0604020202020204" pitchFamily="34" charset="0"/>
+              <a:buNone/>
+            </a:pPr>
+            <a:r>
+              <a:rPr lang="en-US" sz="2000" b="1" dirty="0"/>
+              <a:t>Fun luggage problem</a:t>
+            </a:r>
+          </a:p>
+          <a:p>
+            <a:pPr marL="0" indent="0">
+              <a:buFont typeface="Arial" panose="020B0604020202020204" pitchFamily="34" charset="0"/>
+              <a:buNone/>
+            </a:pPr>
+            <a:r>
+              <a:rPr lang="en-US" sz="2000" dirty="0"/>
+              <a:t>Assigns luggage to carriages in a car, maximizing the capacity usage (luggage weight/carriage capacity) of carriages in front</a:t>
+            </a:r>
+            <a:endParaRPr lang="en-US" sz="2000" b="1" dirty="0"/>
+          </a:p>
+        </p:txBody>
+      </p:sp>
+      <p:sp>
+        <p:nvSpPr>
+          <p:cNvPr id="8" name="Content Placeholder 2">
+            <a:extLst>
+              <a:ext uri="{FF2B5EF4-FFF2-40B4-BE49-F238E27FC236}">
+                <a16:creationId xmlns:a16="http://schemas.microsoft.com/office/drawing/2014/main" id="{52405F06-430C-4450-B13A-320AA06D4A2B}"/>
+              </a:ext>
+            </a:extLst>
+          </p:cNvPr>
+          <p:cNvSpPr txBox="1">
+            <a:spLocks/>
+          </p:cNvSpPr>
+          <p:nvPr/>
+        </p:nvSpPr>
+        <p:spPr>
+          <a:xfrm>
+            <a:off x="350768" y="4470801"/>
+            <a:ext cx="5335658" cy="1453750"/>
+          </a:xfrm>
+          <a:prstGeom prst="rect">
+            <a:avLst/>
+          </a:prstGeom>
+        </p:spPr>
+        <p:txBody>
+          <a:bodyPr vert="horz" lIns="91440" tIns="45720" rIns="91440" bIns="45720" rtlCol="0">
+            <a:normAutofit/>
+          </a:bodyPr>
+          <a:lstStyle>
+            <a:lvl1pPr marL="228600" indent="-228600" algn="l" defTabSz="914400" rtl="0" eaLnBrk="1" latinLnBrk="0" hangingPunct="1">
+              <a:lnSpc>
+                <a:spcPct val="90000"/>
+              </a:lnSpc>
+              <a:spcBef>
+                <a:spcPts val="1000"/>
+              </a:spcBef>
+              <a:buFont typeface="Arial" panose="020B0604020202020204" pitchFamily="34" charset="0"/>
+              <a:buChar char="•"/>
+              <a:defRPr sz="2800" kern="1200">
+                <a:solidFill>
+                  <a:schemeClr val="tx1"/>
+                </a:solidFill>
+                <a:latin typeface="+mn-lt"/>
+                <a:ea typeface="+mn-ea"/>
+                <a:cs typeface="+mn-cs"/>
+              </a:defRPr>
+            </a:lvl1pPr>
+            <a:lvl2pPr marL="685800" indent="-228600" algn="l" defTabSz="914400" rtl="0" eaLnBrk="1" latinLnBrk="0" hangingPunct="1">
+              <a:lnSpc>
+                <a:spcPct val="90000"/>
+              </a:lnSpc>
+              <a:spcBef>
+                <a:spcPts val="500"/>
+              </a:spcBef>
+              <a:buFont typeface="Arial" panose="020B0604020202020204" pitchFamily="34" charset="0"/>
+              <a:buChar char="•"/>
+              <a:defRPr sz="2400" kern="1200">
+                <a:solidFill>
+                  <a:schemeClr val="tx1"/>
+                </a:solidFill>
+                <a:latin typeface="+mn-lt"/>
+                <a:ea typeface="+mn-ea"/>
+                <a:cs typeface="+mn-cs"/>
+              </a:defRPr>
+            </a:lvl2pPr>
+            <a:lvl3pPr marL="1143000" indent="-228600" algn="l" defTabSz="914400" rtl="0" eaLnBrk="1" latinLnBrk="0" hangingPunct="1">
+              <a:lnSpc>
+                <a:spcPct val="90000"/>
+              </a:lnSpc>
+              <a:spcBef>
+                <a:spcPts val="500"/>
+              </a:spcBef>
+              <a:buFont typeface="Arial" panose="020B0604020202020204" pitchFamily="34" charset="0"/>
+              <a:buChar char="•"/>
+              <a:defRPr sz="2000" kern="1200">
+                <a:solidFill>
+                  <a:schemeClr val="tx1"/>
+                </a:solidFill>
+                <a:latin typeface="+mn-lt"/>
+                <a:ea typeface="+mn-ea"/>
+                <a:cs typeface="+mn-cs"/>
+              </a:defRPr>
+            </a:lvl3pPr>
+            <a:lvl4pPr marL="1600200" indent="-228600" algn="l" defTabSz="914400" rtl="0" eaLnBrk="1" latinLnBrk="0" hangingPunct="1">
+              <a:lnSpc>
+                <a:spcPct val="90000"/>
+              </a:lnSpc>
+              <a:spcBef>
+                <a:spcPts val="500"/>
+              </a:spcBef>
+              <a:buFont typeface="Arial" panose="020B0604020202020204" pitchFamily="34" charset="0"/>
+              <a:buChar char="•"/>
+              <a:defRPr sz="1800" kern="1200">
+                <a:solidFill>
+                  <a:schemeClr val="tx1"/>
+                </a:solidFill>
+                <a:latin typeface="+mn-lt"/>
+                <a:ea typeface="+mn-ea"/>
+                <a:cs typeface="+mn-cs"/>
+              </a:defRPr>
+            </a:lvl4pPr>
+            <a:lvl5pPr marL="2057400" indent="-228600" algn="l" defTabSz="914400" rtl="0" eaLnBrk="1" latinLnBrk="0" hangingPunct="1">
+              <a:lnSpc>
+                <a:spcPct val="90000"/>
+              </a:lnSpc>
+              <a:spcBef>
+                <a:spcPts val="500"/>
+              </a:spcBef>
+              <a:buFont typeface="Arial" panose="020B0604020202020204" pitchFamily="34" charset="0"/>
+              <a:buChar char="•"/>
+              <a:defRPr sz="1800" kern="1200">
+                <a:solidFill>
+                  <a:schemeClr val="tx1"/>
+                </a:solidFill>
+                <a:latin typeface="+mn-lt"/>
+                <a:ea typeface="+mn-ea"/>
+                <a:cs typeface="+mn-cs"/>
+              </a:defRPr>
+            </a:lvl5pPr>
+            <a:lvl6pPr marL="2514600" indent="-228600" algn="l" defTabSz="914400" rtl="0" eaLnBrk="1" latinLnBrk="0" hangingPunct="1">
+              <a:lnSpc>
+                <a:spcPct val="90000"/>
+              </a:lnSpc>
+              <a:spcBef>
+                <a:spcPts val="500"/>
+              </a:spcBef>
+              <a:buFont typeface="Arial" panose="020B0604020202020204" pitchFamily="34" charset="0"/>
+              <a:buChar char="•"/>
+              <a:defRPr sz="1800" kern="1200">
+                <a:solidFill>
+                  <a:schemeClr val="tx1"/>
+                </a:solidFill>
+                <a:latin typeface="+mn-lt"/>
+                <a:ea typeface="+mn-ea"/>
+                <a:cs typeface="+mn-cs"/>
+              </a:defRPr>
+            </a:lvl6pPr>
+            <a:lvl7pPr marL="2971800" indent="-228600" algn="l" defTabSz="914400" rtl="0" eaLnBrk="1" latinLnBrk="0" hangingPunct="1">
+              <a:lnSpc>
+                <a:spcPct val="90000"/>
+              </a:lnSpc>
+              <a:spcBef>
+                <a:spcPts val="500"/>
+              </a:spcBef>
+              <a:buFont typeface="Arial" panose="020B0604020202020204" pitchFamily="34" charset="0"/>
+              <a:buChar char="•"/>
+              <a:defRPr sz="1800" kern="1200">
+                <a:solidFill>
+                  <a:schemeClr val="tx1"/>
+                </a:solidFill>
+                <a:latin typeface="+mn-lt"/>
+                <a:ea typeface="+mn-ea"/>
+                <a:cs typeface="+mn-cs"/>
+              </a:defRPr>
+            </a:lvl7pPr>
+            <a:lvl8pPr marL="3429000" indent="-228600" algn="l" defTabSz="914400" rtl="0" eaLnBrk="1" latinLnBrk="0" hangingPunct="1">
+              <a:lnSpc>
+                <a:spcPct val="90000"/>
+              </a:lnSpc>
+              <a:spcBef>
+                <a:spcPts val="500"/>
+              </a:spcBef>
+              <a:buFont typeface="Arial" panose="020B0604020202020204" pitchFamily="34" charset="0"/>
+              <a:buChar char="•"/>
+              <a:defRPr sz="1800" kern="1200">
+                <a:solidFill>
+                  <a:schemeClr val="tx1"/>
+                </a:solidFill>
+                <a:latin typeface="+mn-lt"/>
+                <a:ea typeface="+mn-ea"/>
+                <a:cs typeface="+mn-cs"/>
+              </a:defRPr>
+            </a:lvl8pPr>
+            <a:lvl9pPr marL="3886200" indent="-228600" algn="l" defTabSz="914400" rtl="0" eaLnBrk="1" latinLnBrk="0" hangingPunct="1">
+              <a:lnSpc>
+                <a:spcPct val="90000"/>
+              </a:lnSpc>
+              <a:spcBef>
+                <a:spcPts val="500"/>
+              </a:spcBef>
+              <a:buFont typeface="Arial" panose="020B0604020202020204" pitchFamily="34" charset="0"/>
+              <a:buChar char="•"/>
+              <a:defRPr sz="1800" kern="1200">
+                <a:solidFill>
+                  <a:schemeClr val="tx1"/>
+                </a:solidFill>
+                <a:latin typeface="+mn-lt"/>
+                <a:ea typeface="+mn-ea"/>
+                <a:cs typeface="+mn-cs"/>
+              </a:defRPr>
+            </a:lvl9pPr>
+          </a:lstStyle>
+          <a:p>
+            <a:pPr marL="0" indent="0">
+              <a:buFont typeface="Arial" panose="020B0604020202020204" pitchFamily="34" charset="0"/>
+              <a:buNone/>
+            </a:pPr>
+            <a:r>
+              <a:rPr lang="en-US" sz="2000" b="1" dirty="0"/>
+              <a:t>HTML Map Creation</a:t>
+            </a:r>
+          </a:p>
+          <a:p>
+            <a:pPr marL="0" indent="0">
+              <a:buFont typeface="Arial" panose="020B0604020202020204" pitchFamily="34" charset="0"/>
+              <a:buNone/>
+            </a:pPr>
+            <a:r>
+              <a:rPr lang="en-US" sz="2000" dirty="0"/>
+              <a:t>An original html map file (exported from Python) is altered by simple string manipulation</a:t>
+            </a:r>
+            <a:endParaRPr lang="en-US" sz="2000" b="1" dirty="0"/>
+          </a:p>
+        </p:txBody>
+      </p:sp>
+      <p:sp>
+        <p:nvSpPr>
+          <p:cNvPr id="9" name="Content Placeholder 2">
+            <a:extLst>
+              <a:ext uri="{FF2B5EF4-FFF2-40B4-BE49-F238E27FC236}">
+                <a16:creationId xmlns:a16="http://schemas.microsoft.com/office/drawing/2014/main" id="{37A07F23-CCA3-4DA5-89F3-F0F45998B793}"/>
+              </a:ext>
+            </a:extLst>
+          </p:cNvPr>
+          <p:cNvSpPr txBox="1">
+            <a:spLocks/>
+          </p:cNvSpPr>
+          <p:nvPr/>
+        </p:nvSpPr>
+        <p:spPr>
+          <a:xfrm>
+            <a:off x="5999103" y="1728644"/>
+            <a:ext cx="5335658" cy="1453750"/>
+          </a:xfrm>
+          <a:prstGeom prst="rect">
+            <a:avLst/>
+          </a:prstGeom>
+        </p:spPr>
+        <p:txBody>
+          <a:bodyPr vert="horz" lIns="91440" tIns="45720" rIns="91440" bIns="45720" rtlCol="0">
+            <a:normAutofit/>
+          </a:bodyPr>
+          <a:lstStyle>
+            <a:lvl1pPr marL="228600" indent="-228600" algn="l" defTabSz="914400" rtl="0" eaLnBrk="1" latinLnBrk="0" hangingPunct="1">
+              <a:lnSpc>
+                <a:spcPct val="90000"/>
+              </a:lnSpc>
+              <a:spcBef>
+                <a:spcPts val="1000"/>
+              </a:spcBef>
+              <a:buFont typeface="Arial" panose="020B0604020202020204" pitchFamily="34" charset="0"/>
+              <a:buChar char="•"/>
+              <a:defRPr sz="2800" kern="1200">
+                <a:solidFill>
+                  <a:schemeClr val="tx1"/>
+                </a:solidFill>
+                <a:latin typeface="+mn-lt"/>
+                <a:ea typeface="+mn-ea"/>
+                <a:cs typeface="+mn-cs"/>
+              </a:defRPr>
+            </a:lvl1pPr>
+            <a:lvl2pPr marL="685800" indent="-228600" algn="l" defTabSz="914400" rtl="0" eaLnBrk="1" latinLnBrk="0" hangingPunct="1">
+              <a:lnSpc>
+                <a:spcPct val="90000"/>
+              </a:lnSpc>
+              <a:spcBef>
+                <a:spcPts val="500"/>
+              </a:spcBef>
+              <a:buFont typeface="Arial" panose="020B0604020202020204" pitchFamily="34" charset="0"/>
+              <a:buChar char="•"/>
+              <a:defRPr sz="2400" kern="1200">
+                <a:solidFill>
+                  <a:schemeClr val="tx1"/>
+                </a:solidFill>
+                <a:latin typeface="+mn-lt"/>
+                <a:ea typeface="+mn-ea"/>
+                <a:cs typeface="+mn-cs"/>
+              </a:defRPr>
+            </a:lvl2pPr>
+            <a:lvl3pPr marL="1143000" indent="-228600" algn="l" defTabSz="914400" rtl="0" eaLnBrk="1" latinLnBrk="0" hangingPunct="1">
+              <a:lnSpc>
+                <a:spcPct val="90000"/>
+              </a:lnSpc>
+              <a:spcBef>
+                <a:spcPts val="500"/>
+              </a:spcBef>
+              <a:buFont typeface="Arial" panose="020B0604020202020204" pitchFamily="34" charset="0"/>
+              <a:buChar char="•"/>
+              <a:defRPr sz="2000" kern="1200">
+                <a:solidFill>
+                  <a:schemeClr val="tx1"/>
+                </a:solidFill>
+                <a:latin typeface="+mn-lt"/>
+                <a:ea typeface="+mn-ea"/>
+                <a:cs typeface="+mn-cs"/>
+              </a:defRPr>
+            </a:lvl3pPr>
+            <a:lvl4pPr marL="1600200" indent="-228600" algn="l" defTabSz="914400" rtl="0" eaLnBrk="1" latinLnBrk="0" hangingPunct="1">
+              <a:lnSpc>
+                <a:spcPct val="90000"/>
+              </a:lnSpc>
+              <a:spcBef>
+                <a:spcPts val="500"/>
+              </a:spcBef>
+              <a:buFont typeface="Arial" panose="020B0604020202020204" pitchFamily="34" charset="0"/>
+              <a:buChar char="•"/>
+              <a:defRPr sz="1800" kern="1200">
+                <a:solidFill>
+                  <a:schemeClr val="tx1"/>
+                </a:solidFill>
+                <a:latin typeface="+mn-lt"/>
+                <a:ea typeface="+mn-ea"/>
+                <a:cs typeface="+mn-cs"/>
+              </a:defRPr>
+            </a:lvl4pPr>
+            <a:lvl5pPr marL="2057400" indent="-228600" algn="l" defTabSz="914400" rtl="0" eaLnBrk="1" latinLnBrk="0" hangingPunct="1">
+              <a:lnSpc>
+                <a:spcPct val="90000"/>
+              </a:lnSpc>
+              <a:spcBef>
+                <a:spcPts val="500"/>
+              </a:spcBef>
+              <a:buFont typeface="Arial" panose="020B0604020202020204" pitchFamily="34" charset="0"/>
+              <a:buChar char="•"/>
+              <a:defRPr sz="1800" kern="1200">
+                <a:solidFill>
+                  <a:schemeClr val="tx1"/>
+                </a:solidFill>
+                <a:latin typeface="+mn-lt"/>
+                <a:ea typeface="+mn-ea"/>
+                <a:cs typeface="+mn-cs"/>
+              </a:defRPr>
+            </a:lvl5pPr>
+            <a:lvl6pPr marL="2514600" indent="-228600" algn="l" defTabSz="914400" rtl="0" eaLnBrk="1" latinLnBrk="0" hangingPunct="1">
+              <a:lnSpc>
+                <a:spcPct val="90000"/>
+              </a:lnSpc>
+              <a:spcBef>
+                <a:spcPts val="500"/>
+              </a:spcBef>
+              <a:buFont typeface="Arial" panose="020B0604020202020204" pitchFamily="34" charset="0"/>
+              <a:buChar char="•"/>
+              <a:defRPr sz="1800" kern="1200">
+                <a:solidFill>
+                  <a:schemeClr val="tx1"/>
+                </a:solidFill>
+                <a:latin typeface="+mn-lt"/>
+                <a:ea typeface="+mn-ea"/>
+                <a:cs typeface="+mn-cs"/>
+              </a:defRPr>
+            </a:lvl6pPr>
+            <a:lvl7pPr marL="2971800" indent="-228600" algn="l" defTabSz="914400" rtl="0" eaLnBrk="1" latinLnBrk="0" hangingPunct="1">
+              <a:lnSpc>
+                <a:spcPct val="90000"/>
+              </a:lnSpc>
+              <a:spcBef>
+                <a:spcPts val="500"/>
+              </a:spcBef>
+              <a:buFont typeface="Arial" panose="020B0604020202020204" pitchFamily="34" charset="0"/>
+              <a:buChar char="•"/>
+              <a:defRPr sz="1800" kern="1200">
+                <a:solidFill>
+                  <a:schemeClr val="tx1"/>
+                </a:solidFill>
+                <a:latin typeface="+mn-lt"/>
+                <a:ea typeface="+mn-ea"/>
+                <a:cs typeface="+mn-cs"/>
+              </a:defRPr>
+            </a:lvl7pPr>
+            <a:lvl8pPr marL="3429000" indent="-228600" algn="l" defTabSz="914400" rtl="0" eaLnBrk="1" latinLnBrk="0" hangingPunct="1">
+              <a:lnSpc>
+                <a:spcPct val="90000"/>
+              </a:lnSpc>
+              <a:spcBef>
+                <a:spcPts val="500"/>
+              </a:spcBef>
+              <a:buFont typeface="Arial" panose="020B0604020202020204" pitchFamily="34" charset="0"/>
+              <a:buChar char="•"/>
+              <a:defRPr sz="1800" kern="1200">
+                <a:solidFill>
+                  <a:schemeClr val="tx1"/>
+                </a:solidFill>
+                <a:latin typeface="+mn-lt"/>
+                <a:ea typeface="+mn-ea"/>
+                <a:cs typeface="+mn-cs"/>
+              </a:defRPr>
+            </a:lvl8pPr>
+            <a:lvl9pPr marL="3886200" indent="-228600" algn="l" defTabSz="914400" rtl="0" eaLnBrk="1" latinLnBrk="0" hangingPunct="1">
+              <a:lnSpc>
+                <a:spcPct val="90000"/>
+              </a:lnSpc>
+              <a:spcBef>
+                <a:spcPts val="500"/>
+              </a:spcBef>
+              <a:buFont typeface="Arial" panose="020B0604020202020204" pitchFamily="34" charset="0"/>
+              <a:buChar char="•"/>
+              <a:defRPr sz="1800" kern="1200">
+                <a:solidFill>
+                  <a:schemeClr val="tx1"/>
+                </a:solidFill>
+                <a:latin typeface="+mn-lt"/>
+                <a:ea typeface="+mn-ea"/>
+                <a:cs typeface="+mn-cs"/>
+              </a:defRPr>
+            </a:lvl9pPr>
+          </a:lstStyle>
+          <a:p>
+            <a:pPr marL="0" indent="0">
+              <a:buFont typeface="Arial" panose="020B0604020202020204" pitchFamily="34" charset="0"/>
+              <a:buNone/>
+            </a:pPr>
+            <a:r>
+              <a:rPr lang="en-US" sz="2000" b="1" dirty="0"/>
+              <a:t>Search luggage</a:t>
+            </a:r>
+          </a:p>
+          <a:p>
+            <a:pPr marL="0" indent="0">
+              <a:buFont typeface="Arial" panose="020B0604020202020204" pitchFamily="34" charset="0"/>
+              <a:buNone/>
+            </a:pPr>
+            <a:r>
+              <a:rPr lang="en-US" sz="2000" dirty="0"/>
+              <a:t>Luggage is issued an ID so passengers can later find it</a:t>
+            </a:r>
+            <a:endParaRPr lang="en-US" sz="2000" b="1" dirty="0"/>
+          </a:p>
+        </p:txBody>
+      </p:sp>
+      <p:sp>
+        <p:nvSpPr>
+          <p:cNvPr id="10" name="Content Placeholder 2">
+            <a:extLst>
+              <a:ext uri="{FF2B5EF4-FFF2-40B4-BE49-F238E27FC236}">
+                <a16:creationId xmlns:a16="http://schemas.microsoft.com/office/drawing/2014/main" id="{3DD23AA4-A594-48EB-815A-4EDBF1897B08}"/>
+              </a:ext>
+            </a:extLst>
+          </p:cNvPr>
+          <p:cNvSpPr txBox="1">
+            <a:spLocks/>
+          </p:cNvSpPr>
+          <p:nvPr/>
+        </p:nvSpPr>
+        <p:spPr>
+          <a:xfrm>
+            <a:off x="6096000" y="4470801"/>
+            <a:ext cx="5335658" cy="1453750"/>
+          </a:xfrm>
+          <a:prstGeom prst="rect">
+            <a:avLst/>
+          </a:prstGeom>
+        </p:spPr>
+        <p:txBody>
+          <a:bodyPr vert="horz" lIns="91440" tIns="45720" rIns="91440" bIns="45720" rtlCol="0">
+            <a:normAutofit/>
+          </a:bodyPr>
+          <a:lstStyle>
+            <a:lvl1pPr marL="228600" indent="-228600" algn="l" defTabSz="914400" rtl="0" eaLnBrk="1" latinLnBrk="0" hangingPunct="1">
+              <a:lnSpc>
+                <a:spcPct val="90000"/>
+              </a:lnSpc>
+              <a:spcBef>
+                <a:spcPts val="1000"/>
+              </a:spcBef>
+              <a:buFont typeface="Arial" panose="020B0604020202020204" pitchFamily="34" charset="0"/>
+              <a:buChar char="•"/>
+              <a:defRPr sz="2800" kern="1200">
+                <a:solidFill>
+                  <a:schemeClr val="tx1"/>
+                </a:solidFill>
+                <a:latin typeface="+mn-lt"/>
+                <a:ea typeface="+mn-ea"/>
+                <a:cs typeface="+mn-cs"/>
+              </a:defRPr>
+            </a:lvl1pPr>
+            <a:lvl2pPr marL="685800" indent="-228600" algn="l" defTabSz="914400" rtl="0" eaLnBrk="1" latinLnBrk="0" hangingPunct="1">
+              <a:lnSpc>
+                <a:spcPct val="90000"/>
+              </a:lnSpc>
+              <a:spcBef>
+                <a:spcPts val="500"/>
+              </a:spcBef>
+              <a:buFont typeface="Arial" panose="020B0604020202020204" pitchFamily="34" charset="0"/>
+              <a:buChar char="•"/>
+              <a:defRPr sz="2400" kern="1200">
+                <a:solidFill>
+                  <a:schemeClr val="tx1"/>
+                </a:solidFill>
+                <a:latin typeface="+mn-lt"/>
+                <a:ea typeface="+mn-ea"/>
+                <a:cs typeface="+mn-cs"/>
+              </a:defRPr>
+            </a:lvl2pPr>
+            <a:lvl3pPr marL="1143000" indent="-228600" algn="l" defTabSz="914400" rtl="0" eaLnBrk="1" latinLnBrk="0" hangingPunct="1">
+              <a:lnSpc>
+                <a:spcPct val="90000"/>
+              </a:lnSpc>
+              <a:spcBef>
+                <a:spcPts val="500"/>
+              </a:spcBef>
+              <a:buFont typeface="Arial" panose="020B0604020202020204" pitchFamily="34" charset="0"/>
+              <a:buChar char="•"/>
+              <a:defRPr sz="2000" kern="1200">
+                <a:solidFill>
+                  <a:schemeClr val="tx1"/>
+                </a:solidFill>
+                <a:latin typeface="+mn-lt"/>
+                <a:ea typeface="+mn-ea"/>
+                <a:cs typeface="+mn-cs"/>
+              </a:defRPr>
+            </a:lvl3pPr>
+            <a:lvl4pPr marL="1600200" indent="-228600" algn="l" defTabSz="914400" rtl="0" eaLnBrk="1" latinLnBrk="0" hangingPunct="1">
+              <a:lnSpc>
+                <a:spcPct val="90000"/>
+              </a:lnSpc>
+              <a:spcBef>
+                <a:spcPts val="500"/>
+              </a:spcBef>
+              <a:buFont typeface="Arial" panose="020B0604020202020204" pitchFamily="34" charset="0"/>
+              <a:buChar char="•"/>
+              <a:defRPr sz="1800" kern="1200">
+                <a:solidFill>
+                  <a:schemeClr val="tx1"/>
+                </a:solidFill>
+                <a:latin typeface="+mn-lt"/>
+                <a:ea typeface="+mn-ea"/>
+                <a:cs typeface="+mn-cs"/>
+              </a:defRPr>
+            </a:lvl4pPr>
+            <a:lvl5pPr marL="2057400" indent="-228600" algn="l" defTabSz="914400" rtl="0" eaLnBrk="1" latinLnBrk="0" hangingPunct="1">
+              <a:lnSpc>
+                <a:spcPct val="90000"/>
+              </a:lnSpc>
+              <a:spcBef>
+                <a:spcPts val="500"/>
+              </a:spcBef>
+              <a:buFont typeface="Arial" panose="020B0604020202020204" pitchFamily="34" charset="0"/>
+              <a:buChar char="•"/>
+              <a:defRPr sz="1800" kern="1200">
+                <a:solidFill>
+                  <a:schemeClr val="tx1"/>
+                </a:solidFill>
+                <a:latin typeface="+mn-lt"/>
+                <a:ea typeface="+mn-ea"/>
+                <a:cs typeface="+mn-cs"/>
+              </a:defRPr>
+            </a:lvl5pPr>
+            <a:lvl6pPr marL="2514600" indent="-228600" algn="l" defTabSz="914400" rtl="0" eaLnBrk="1" latinLnBrk="0" hangingPunct="1">
+              <a:lnSpc>
+                <a:spcPct val="90000"/>
+              </a:lnSpc>
+              <a:spcBef>
+                <a:spcPts val="500"/>
+              </a:spcBef>
+              <a:buFont typeface="Arial" panose="020B0604020202020204" pitchFamily="34" charset="0"/>
+              <a:buChar char="•"/>
+              <a:defRPr sz="1800" kern="1200">
+                <a:solidFill>
+                  <a:schemeClr val="tx1"/>
+                </a:solidFill>
+                <a:latin typeface="+mn-lt"/>
+                <a:ea typeface="+mn-ea"/>
+                <a:cs typeface="+mn-cs"/>
+              </a:defRPr>
+            </a:lvl6pPr>
+            <a:lvl7pPr marL="2971800" indent="-228600" algn="l" defTabSz="914400" rtl="0" eaLnBrk="1" latinLnBrk="0" hangingPunct="1">
+              <a:lnSpc>
+                <a:spcPct val="90000"/>
+              </a:lnSpc>
+              <a:spcBef>
+                <a:spcPts val="500"/>
+              </a:spcBef>
+              <a:buFont typeface="Arial" panose="020B0604020202020204" pitchFamily="34" charset="0"/>
+              <a:buChar char="•"/>
+              <a:defRPr sz="1800" kern="1200">
+                <a:solidFill>
+                  <a:schemeClr val="tx1"/>
+                </a:solidFill>
+                <a:latin typeface="+mn-lt"/>
+                <a:ea typeface="+mn-ea"/>
+                <a:cs typeface="+mn-cs"/>
+              </a:defRPr>
+            </a:lvl7pPr>
+            <a:lvl8pPr marL="3429000" indent="-228600" algn="l" defTabSz="914400" rtl="0" eaLnBrk="1" latinLnBrk="0" hangingPunct="1">
+              <a:lnSpc>
+                <a:spcPct val="90000"/>
+              </a:lnSpc>
+              <a:spcBef>
+                <a:spcPts val="500"/>
+              </a:spcBef>
+              <a:buFont typeface="Arial" panose="020B0604020202020204" pitchFamily="34" charset="0"/>
+              <a:buChar char="•"/>
+              <a:defRPr sz="1800" kern="1200">
+                <a:solidFill>
+                  <a:schemeClr val="tx1"/>
+                </a:solidFill>
+                <a:latin typeface="+mn-lt"/>
+                <a:ea typeface="+mn-ea"/>
+                <a:cs typeface="+mn-cs"/>
+              </a:defRPr>
+            </a:lvl8pPr>
+            <a:lvl9pPr marL="3886200" indent="-228600" algn="l" defTabSz="914400" rtl="0" eaLnBrk="1" latinLnBrk="0" hangingPunct="1">
+              <a:lnSpc>
+                <a:spcPct val="90000"/>
+              </a:lnSpc>
+              <a:spcBef>
+                <a:spcPts val="500"/>
+              </a:spcBef>
+              <a:buFont typeface="Arial" panose="020B0604020202020204" pitchFamily="34" charset="0"/>
+              <a:buChar char="•"/>
+              <a:defRPr sz="1800" kern="1200">
+                <a:solidFill>
+                  <a:schemeClr val="tx1"/>
+                </a:solidFill>
+                <a:latin typeface="+mn-lt"/>
+                <a:ea typeface="+mn-ea"/>
+                <a:cs typeface="+mn-cs"/>
+              </a:defRPr>
+            </a:lvl9pPr>
+          </a:lstStyle>
+          <a:p>
+            <a:pPr marL="0" indent="0">
+              <a:buFont typeface="Arial" panose="020B0604020202020204" pitchFamily="34" charset="0"/>
+              <a:buNone/>
+            </a:pPr>
+            <a:r>
+              <a:rPr lang="en-US" sz="2000" b="1" dirty="0"/>
+              <a:t>Class Inheritance</a:t>
+            </a:r>
+          </a:p>
+          <a:p>
+            <a:pPr marL="0" indent="0">
+              <a:buFont typeface="Arial" panose="020B0604020202020204" pitchFamily="34" charset="0"/>
+              <a:buNone/>
+            </a:pPr>
+            <a:r>
+              <a:rPr lang="en-US" sz="2000" dirty="0"/>
+              <a:t>Inheritance was widely used to save time, reduce the possibility of errors and, specifically, allow for airports to be included as transit stops seamlessly </a:t>
             </a:r>
           </a:p>
         </p:txBody>
@@ -5721,7 +6557,7 @@
         </p:blipFill>
         <p:spPr>
           <a:xfrm>
-            <a:off x="1441548" y="1485105"/>
+            <a:off x="704851" y="1475576"/>
             <a:ext cx="5450991" cy="5027351"/>
           </a:xfrm>
           <a:prstGeom prst="rect">
@@ -5838,8 +6674,8 @@
         </p:nvSpPr>
         <p:spPr>
           <a:xfrm>
-            <a:off x="7924800" y="3998780"/>
-            <a:ext cx="3640043" cy="1544637"/>
+            <a:off x="7453318" y="3577956"/>
+            <a:ext cx="3640043" cy="411295"/>
           </a:xfrm>
         </p:spPr>
         <p:txBody>
@@ -5913,8 +6749,8 @@
         </p:nvSpPr>
         <p:spPr>
           <a:xfrm>
-            <a:off x="704850" y="1835150"/>
-            <a:ext cx="11184009" cy="1544637"/>
+            <a:off x="3071812" y="3429000"/>
+            <a:ext cx="6048375" cy="455613"/>
           </a:xfrm>
         </p:spPr>
         <p:txBody>
@@ -5923,39 +6759,12 @@
           </a:bodyPr>
           <a:lstStyle/>
           <a:p>
-            <a:pPr marL="0" indent="0">
+            <a:pPr marL="0" indent="0" algn="ctr">
               <a:buNone/>
             </a:pPr>
             <a:r>
-              <a:rPr lang="en-US" sz="2000" b="1" dirty="0"/>
-              <a:t>Gonçalo</a:t>
-            </a:r>
-          </a:p>
-          <a:p>
-            <a:pPr marL="0" indent="0">
-              <a:buNone/>
-            </a:pPr>
-            <a:r>
-              <a:rPr lang="en-US" sz="2000" b="1" dirty="0"/>
-              <a:t>Difficulties: </a:t>
-            </a:r>
-            <a:r>
-              <a:rPr lang="en-US" sz="2000" dirty="0" err="1"/>
-              <a:t>eeeee</a:t>
-            </a:r>
-            <a:endParaRPr lang="en-US" sz="2000" dirty="0"/>
-          </a:p>
-          <a:p>
-            <a:pPr marL="0" indent="0">
-              <a:buNone/>
-            </a:pPr>
-            <a:r>
-              <a:rPr lang="en-US" sz="2000" b="1" dirty="0"/>
-              <a:t>Solution: </a:t>
-            </a:r>
-            <a:r>
-              <a:rPr lang="en-US" sz="2000" dirty="0" err="1"/>
-              <a:t>eee</a:t>
+              <a:rPr lang="en-US" sz="2000" dirty="0"/>
+              <a:t>Self explanatory, since columns are named</a:t>
             </a:r>
             <a:endParaRPr lang="en-US" sz="2000" b="1" dirty="0"/>
           </a:p>
@@ -6166,7 +6975,7 @@
           <a:p>
             <a:r>
               <a:rPr lang="en-US" b="1" dirty="0"/>
-              <a:t>Implemented Functionalities (1)</a:t>
+              <a:t>Implemented Functionalities</a:t>
             </a:r>
           </a:p>
         </p:txBody>
@@ -6190,7 +6999,7 @@
         <p:spPr>
           <a:xfrm>
             <a:off x="516960" y="1718467"/>
-            <a:ext cx="11371900" cy="2880660"/>
+            <a:ext cx="11371900" cy="4353721"/>
           </a:xfrm>
         </p:spPr>
         <p:txBody>
@@ -6203,12 +7012,61 @@
               <a:buNone/>
             </a:pPr>
             <a:r>
-              <a:rPr lang="en-US" sz="2000" dirty="0" err="1"/>
-              <a:t>FlightMap</a:t>
-            </a:r>
+              <a:rPr lang="pt-BR" sz="2000" dirty="0"/>
+              <a:t>It is possible to, via the interface:</a:t>
+            </a:r>
+          </a:p>
+          <a:p>
+            <a:r>
+              <a:rPr lang="pt-BR" sz="2000" dirty="0"/>
+              <a:t>simulate flights, from the creation of planes to buying tickets</a:t>
+            </a:r>
+          </a:p>
+          <a:p>
+            <a:r>
+              <a:rPr lang="pt-BR" sz="2000" dirty="0"/>
+              <a:t>posibility of exporting a map with marked fligths or (</a:t>
+            </a:r>
+            <a:r>
+              <a:rPr lang="en-US" sz="2000" b="1" i="0" dirty="0">
+                <a:solidFill>
+                  <a:srgbClr val="202122"/>
+                </a:solidFill>
+                <a:effectLst/>
+                <a:latin typeface="Arial" panose="020B0604020202020204" pitchFamily="34" charset="0"/>
+              </a:rPr>
+              <a:t>⊕</a:t>
+            </a:r>
+            <a:r>
+              <a:rPr lang="pt-BR" sz="2000" dirty="0"/>
+              <a:t>) the surroudings of an airport</a:t>
+            </a:r>
+          </a:p>
+          <a:p>
+            <a:r>
+              <a:rPr lang="pt-BR" sz="2000" dirty="0"/>
+              <a:t>run tests implemented for several parts of the program</a:t>
+            </a:r>
+          </a:p>
+          <a:p>
+            <a:r>
+              <a:rPr lang="pt-BR" sz="2000" dirty="0"/>
+              <a:t>import data (in .csv files) of airoports, planes, flights and transit stops</a:t>
+            </a:r>
+          </a:p>
+          <a:p>
+            <a:r>
+              <a:rPr lang="pt-BR" sz="2000" dirty="0"/>
+              <a:t>find a specific passenger’s luggage</a:t>
+            </a:r>
+          </a:p>
+          <a:p>
+            <a:pPr marL="0" indent="0">
+              <a:buNone/>
+            </a:pPr>
             <a:r>
               <a:rPr lang="en-US" sz="2000" dirty="0"/>
-              <a:t>() – generates a new Map</a:t>
+              <a:t>It’s also possible to get into the fun luggage problem´s wild ride (explained next slide).</a:t>
             </a:r>
           </a:p>
           <a:p>
@@ -6217,344 +7075,21 @@
             </a:pPr>
             <a:r>
               <a:rPr lang="en-US" sz="2000" dirty="0"/>
-              <a:t>void </a:t>
-            </a:r>
-            <a:r>
-              <a:rPr lang="en-US" sz="2000" dirty="0" err="1"/>
-              <a:t>addMainAirport</a:t>
-            </a:r>
+              <a:t>CRUD was implemented according to what seemed intuitive, for example:</a:t>
+            </a:r>
+          </a:p>
+          <a:p>
             <a:r>
               <a:rPr lang="en-US" sz="2000" dirty="0"/>
-              <a:t>(Airport&amp; airport) – adds one main airport to the Map</a:t>
-            </a:r>
-          </a:p>
-          <a:p>
-            <a:pPr marL="0" indent="0">
-              <a:buNone/>
-            </a:pPr>
+              <a:t>Luggage is the only class with a specified delete functionality (we use dynamic memory allocation so a passenger can find their luggage)</a:t>
+            </a:r>
+          </a:p>
+          <a:p>
             <a:r>
               <a:rPr lang="en-US" sz="2000" dirty="0"/>
-              <a:t>void </a:t>
-            </a:r>
-            <a:r>
-              <a:rPr lang="en-US" sz="2000" dirty="0" err="1"/>
-              <a:t>addRoute</a:t>
-            </a:r>
-            <a:r>
-              <a:rPr lang="en-US" sz="2000" dirty="0"/>
-              <a:t>(Location&amp; location1, Location&amp; location2) – given two Locations, the route between them is added to the Map</a:t>
-            </a:r>
-          </a:p>
-          <a:p>
-            <a:pPr marL="0" indent="0">
-              <a:buNone/>
-            </a:pPr>
-            <a:r>
-              <a:rPr lang="en-US" sz="2000" dirty="0"/>
-              <a:t>void </a:t>
-            </a:r>
-            <a:r>
-              <a:rPr lang="en-US" sz="2000" dirty="0" err="1"/>
-              <a:t>addTransitStop</a:t>
-            </a:r>
-            <a:r>
-              <a:rPr lang="en-US" sz="2000" dirty="0"/>
-              <a:t>(</a:t>
-            </a:r>
-            <a:r>
-              <a:rPr lang="en-US" sz="2000" dirty="0" err="1"/>
-              <a:t>TransitStop</a:t>
-            </a:r>
-            <a:r>
-              <a:rPr lang="en-US" sz="2000" dirty="0"/>
-              <a:t>&amp; </a:t>
-            </a:r>
-            <a:r>
-              <a:rPr lang="en-US" sz="2000" dirty="0" err="1"/>
-              <a:t>transitStop</a:t>
-            </a:r>
-            <a:r>
-              <a:rPr lang="en-US" sz="2000" dirty="0"/>
-              <a:t>) – adds one </a:t>
-            </a:r>
-            <a:r>
-              <a:rPr lang="en-US" sz="2000" dirty="0" err="1"/>
-              <a:t>transitStop</a:t>
-            </a:r>
-            <a:r>
-              <a:rPr lang="en-US" sz="2000" dirty="0"/>
-              <a:t> to the Map, personalizing the feature with the given name and type</a:t>
-            </a:r>
-          </a:p>
-          <a:p>
-            <a:pPr marL="0" indent="0">
-              <a:buNone/>
-            </a:pPr>
-            <a:r>
-              <a:rPr lang="en-US" sz="2000" dirty="0"/>
-              <a:t>std::string </a:t>
-            </a:r>
-            <a:r>
-              <a:rPr lang="en-US" sz="2000" dirty="0" err="1"/>
-              <a:t>getHTML</a:t>
-            </a:r>
-            <a:r>
-              <a:rPr lang="en-US" sz="2000" dirty="0"/>
-              <a:t>()</a:t>
-            </a:r>
-          </a:p>
-        </p:txBody>
-      </p:sp>
-      <p:sp>
-        <p:nvSpPr>
-          <p:cNvPr id="11" name="Content Placeholder 2">
-            <a:extLst>
-              <a:ext uri="{FF2B5EF4-FFF2-40B4-BE49-F238E27FC236}">
-                <a16:creationId xmlns:a16="http://schemas.microsoft.com/office/drawing/2014/main" id="{C69A7EF0-FEF2-4F13-95F9-A8CB16FA66C0}"/>
-              </a:ext>
-            </a:extLst>
-          </p:cNvPr>
-          <p:cNvSpPr txBox="1">
-            <a:spLocks/>
-          </p:cNvSpPr>
-          <p:nvPr/>
-        </p:nvSpPr>
-        <p:spPr>
-          <a:xfrm>
-            <a:off x="516960" y="4842666"/>
-            <a:ext cx="10679678" cy="1886747"/>
-          </a:xfrm>
-          <a:prstGeom prst="rect">
-            <a:avLst/>
-          </a:prstGeom>
-        </p:spPr>
-        <p:txBody>
-          <a:bodyPr vert="horz" lIns="91440" tIns="45720" rIns="91440" bIns="45720" rtlCol="0">
-            <a:normAutofit/>
-          </a:bodyPr>
-          <a:lstStyle>
-            <a:lvl1pPr marL="228600" indent="-228600" algn="l" defTabSz="914400" rtl="0" eaLnBrk="1" latinLnBrk="0" hangingPunct="1">
-              <a:lnSpc>
-                <a:spcPct val="90000"/>
-              </a:lnSpc>
-              <a:spcBef>
-                <a:spcPts val="1000"/>
-              </a:spcBef>
-              <a:buFont typeface="Arial" panose="020B0604020202020204" pitchFamily="34" charset="0"/>
-              <a:buChar char="•"/>
-              <a:defRPr sz="2800" kern="1200">
-                <a:solidFill>
-                  <a:schemeClr val="tx1"/>
-                </a:solidFill>
-                <a:latin typeface="+mn-lt"/>
-                <a:ea typeface="+mn-ea"/>
-                <a:cs typeface="+mn-cs"/>
-              </a:defRPr>
-            </a:lvl1pPr>
-            <a:lvl2pPr marL="685800" indent="-228600" algn="l" defTabSz="914400" rtl="0" eaLnBrk="1" latinLnBrk="0" hangingPunct="1">
-              <a:lnSpc>
-                <a:spcPct val="90000"/>
-              </a:lnSpc>
-              <a:spcBef>
-                <a:spcPts val="500"/>
-              </a:spcBef>
-              <a:buFont typeface="Arial" panose="020B0604020202020204" pitchFamily="34" charset="0"/>
-              <a:buChar char="•"/>
-              <a:defRPr sz="2400" kern="1200">
-                <a:solidFill>
-                  <a:schemeClr val="tx1"/>
-                </a:solidFill>
-                <a:latin typeface="+mn-lt"/>
-                <a:ea typeface="+mn-ea"/>
-                <a:cs typeface="+mn-cs"/>
-              </a:defRPr>
-            </a:lvl2pPr>
-            <a:lvl3pPr marL="1143000" indent="-228600" algn="l" defTabSz="914400" rtl="0" eaLnBrk="1" latinLnBrk="0" hangingPunct="1">
-              <a:lnSpc>
-                <a:spcPct val="90000"/>
-              </a:lnSpc>
-              <a:spcBef>
-                <a:spcPts val="500"/>
-              </a:spcBef>
-              <a:buFont typeface="Arial" panose="020B0604020202020204" pitchFamily="34" charset="0"/>
-              <a:buChar char="•"/>
-              <a:defRPr sz="2000" kern="1200">
-                <a:solidFill>
-                  <a:schemeClr val="tx1"/>
-                </a:solidFill>
-                <a:latin typeface="+mn-lt"/>
-                <a:ea typeface="+mn-ea"/>
-                <a:cs typeface="+mn-cs"/>
-              </a:defRPr>
-            </a:lvl3pPr>
-            <a:lvl4pPr marL="1600200" indent="-228600" algn="l" defTabSz="914400" rtl="0" eaLnBrk="1" latinLnBrk="0" hangingPunct="1">
-              <a:lnSpc>
-                <a:spcPct val="90000"/>
-              </a:lnSpc>
-              <a:spcBef>
-                <a:spcPts val="500"/>
-              </a:spcBef>
-              <a:buFont typeface="Arial" panose="020B0604020202020204" pitchFamily="34" charset="0"/>
-              <a:buChar char="•"/>
-              <a:defRPr sz="1800" kern="1200">
-                <a:solidFill>
-                  <a:schemeClr val="tx1"/>
-                </a:solidFill>
-                <a:latin typeface="+mn-lt"/>
-                <a:ea typeface="+mn-ea"/>
-                <a:cs typeface="+mn-cs"/>
-              </a:defRPr>
-            </a:lvl4pPr>
-            <a:lvl5pPr marL="2057400" indent="-228600" algn="l" defTabSz="914400" rtl="0" eaLnBrk="1" latinLnBrk="0" hangingPunct="1">
-              <a:lnSpc>
-                <a:spcPct val="90000"/>
-              </a:lnSpc>
-              <a:spcBef>
-                <a:spcPts val="500"/>
-              </a:spcBef>
-              <a:buFont typeface="Arial" panose="020B0604020202020204" pitchFamily="34" charset="0"/>
-              <a:buChar char="•"/>
-              <a:defRPr sz="1800" kern="1200">
-                <a:solidFill>
-                  <a:schemeClr val="tx1"/>
-                </a:solidFill>
-                <a:latin typeface="+mn-lt"/>
-                <a:ea typeface="+mn-ea"/>
-                <a:cs typeface="+mn-cs"/>
-              </a:defRPr>
-            </a:lvl5pPr>
-            <a:lvl6pPr marL="2514600" indent="-228600" algn="l" defTabSz="914400" rtl="0" eaLnBrk="1" latinLnBrk="0" hangingPunct="1">
-              <a:lnSpc>
-                <a:spcPct val="90000"/>
-              </a:lnSpc>
-              <a:spcBef>
-                <a:spcPts val="500"/>
-              </a:spcBef>
-              <a:buFont typeface="Arial" panose="020B0604020202020204" pitchFamily="34" charset="0"/>
-              <a:buChar char="•"/>
-              <a:defRPr sz="1800" kern="1200">
-                <a:solidFill>
-                  <a:schemeClr val="tx1"/>
-                </a:solidFill>
-                <a:latin typeface="+mn-lt"/>
-                <a:ea typeface="+mn-ea"/>
-                <a:cs typeface="+mn-cs"/>
-              </a:defRPr>
-            </a:lvl6pPr>
-            <a:lvl7pPr marL="2971800" indent="-228600" algn="l" defTabSz="914400" rtl="0" eaLnBrk="1" latinLnBrk="0" hangingPunct="1">
-              <a:lnSpc>
-                <a:spcPct val="90000"/>
-              </a:lnSpc>
-              <a:spcBef>
-                <a:spcPts val="500"/>
-              </a:spcBef>
-              <a:buFont typeface="Arial" panose="020B0604020202020204" pitchFamily="34" charset="0"/>
-              <a:buChar char="•"/>
-              <a:defRPr sz="1800" kern="1200">
-                <a:solidFill>
-                  <a:schemeClr val="tx1"/>
-                </a:solidFill>
-                <a:latin typeface="+mn-lt"/>
-                <a:ea typeface="+mn-ea"/>
-                <a:cs typeface="+mn-cs"/>
-              </a:defRPr>
-            </a:lvl7pPr>
-            <a:lvl8pPr marL="3429000" indent="-228600" algn="l" defTabSz="914400" rtl="0" eaLnBrk="1" latinLnBrk="0" hangingPunct="1">
-              <a:lnSpc>
-                <a:spcPct val="90000"/>
-              </a:lnSpc>
-              <a:spcBef>
-                <a:spcPts val="500"/>
-              </a:spcBef>
-              <a:buFont typeface="Arial" panose="020B0604020202020204" pitchFamily="34" charset="0"/>
-              <a:buChar char="•"/>
-              <a:defRPr sz="1800" kern="1200">
-                <a:solidFill>
-                  <a:schemeClr val="tx1"/>
-                </a:solidFill>
-                <a:latin typeface="+mn-lt"/>
-                <a:ea typeface="+mn-ea"/>
-                <a:cs typeface="+mn-cs"/>
-              </a:defRPr>
-            </a:lvl8pPr>
-            <a:lvl9pPr marL="3886200" indent="-228600" algn="l" defTabSz="914400" rtl="0" eaLnBrk="1" latinLnBrk="0" hangingPunct="1">
-              <a:lnSpc>
-                <a:spcPct val="90000"/>
-              </a:lnSpc>
-              <a:spcBef>
-                <a:spcPts val="500"/>
-              </a:spcBef>
-              <a:buFont typeface="Arial" panose="020B0604020202020204" pitchFamily="34" charset="0"/>
-              <a:buChar char="•"/>
-              <a:defRPr sz="1800" kern="1200">
-                <a:solidFill>
-                  <a:schemeClr val="tx1"/>
-                </a:solidFill>
-                <a:latin typeface="+mn-lt"/>
-                <a:ea typeface="+mn-ea"/>
-                <a:cs typeface="+mn-cs"/>
-              </a:defRPr>
-            </a:lvl9pPr>
-          </a:lstStyle>
-          <a:p>
-            <a:pPr marL="0" indent="0">
-              <a:buFont typeface="Arial" panose="020B0604020202020204" pitchFamily="34" charset="0"/>
-              <a:buNone/>
-            </a:pPr>
-            <a:r>
-              <a:rPr lang="en-US" sz="2000" b="1" dirty="0"/>
-              <a:t>Create </a:t>
-            </a:r>
-            <a:r>
-              <a:rPr lang="en-US" sz="2000" dirty="0"/>
-              <a:t>Implemented- you can create new objects</a:t>
-            </a:r>
-            <a:endParaRPr lang="en-US" sz="2000" b="1" dirty="0"/>
-          </a:p>
-          <a:p>
-            <a:pPr marL="0" indent="0">
-              <a:buFont typeface="Arial" panose="020B0604020202020204" pitchFamily="34" charset="0"/>
-              <a:buNone/>
-            </a:pPr>
-            <a:r>
-              <a:rPr lang="en-US" sz="2000" b="1" dirty="0"/>
-              <a:t>Read </a:t>
-            </a:r>
-            <a:r>
-              <a:rPr lang="en-US" sz="2000" dirty="0"/>
-              <a:t>Implemented- in the get methods</a:t>
-            </a:r>
-            <a:endParaRPr lang="en-US" sz="2000" b="1" dirty="0"/>
-          </a:p>
-          <a:p>
-            <a:pPr marL="0" indent="0">
-              <a:buFont typeface="Arial" panose="020B0604020202020204" pitchFamily="34" charset="0"/>
-              <a:buNone/>
-            </a:pPr>
-            <a:r>
-              <a:rPr lang="en-US" sz="2000" b="1" dirty="0"/>
-              <a:t>Update </a:t>
-            </a:r>
-            <a:r>
-              <a:rPr lang="en-US" sz="2000" dirty="0"/>
-              <a:t>Implemented- you can add new methods to the Map</a:t>
-            </a:r>
-            <a:endParaRPr lang="en-US" sz="2000" b="1" dirty="0"/>
-          </a:p>
-          <a:p>
-            <a:pPr marL="0" indent="0">
-              <a:buFont typeface="Arial" panose="020B0604020202020204" pitchFamily="34" charset="0"/>
-              <a:buNone/>
-            </a:pPr>
-            <a:r>
-              <a:rPr lang="en-US" sz="2000" b="1" dirty="0"/>
-              <a:t>Delete </a:t>
-            </a:r>
-            <a:r>
-              <a:rPr lang="en-US" sz="2000" dirty="0"/>
-              <a:t>Default Destructor- no reason to specify our own</a:t>
-            </a:r>
-            <a:endParaRPr lang="en-US" sz="1400" dirty="0"/>
+              <a:t>Time classes have constant attributes, so they can’t be updated</a:t>
+            </a:r>
+            <a:endParaRPr lang="pt-BR" sz="2000" dirty="0"/>
           </a:p>
         </p:txBody>
       </p:sp>
@@ -6606,8 +7141,8 @@
         </p:nvSpPr>
         <p:spPr>
           <a:xfrm>
-            <a:off x="516960" y="1718467"/>
-            <a:ext cx="5181078" cy="1315246"/>
+            <a:off x="3736181" y="1515657"/>
+            <a:ext cx="1157287" cy="450058"/>
           </a:xfrm>
         </p:spPr>
         <p:txBody>
@@ -6620,50 +7155,18 @@
               <a:buNone/>
             </a:pPr>
             <a:r>
-              <a:rPr lang="en-US" sz="2000" b="1" dirty="0"/>
-              <a:t>Superclass </a:t>
-            </a:r>
-            <a:r>
-              <a:rPr lang="en-US" sz="2000" b="1" dirty="0" err="1"/>
-              <a:t>ConstTimeGen</a:t>
-            </a:r>
-            <a:endParaRPr lang="en-US" sz="2000" b="1" dirty="0"/>
-          </a:p>
-          <a:p>
-            <a:pPr marL="0" indent="0">
-              <a:buNone/>
-            </a:pPr>
-            <a:r>
-              <a:rPr lang="en-US" sz="2000" dirty="0" err="1"/>
-              <a:t>ConstTimeGen</a:t>
-            </a:r>
-            <a:r>
-              <a:rPr lang="en-US" sz="2000" dirty="0"/>
-              <a:t> (int left, int mid, int right)</a:t>
-            </a:r>
-          </a:p>
-          <a:p>
-            <a:pPr marL="0" indent="0">
-              <a:buNone/>
-            </a:pPr>
-            <a:r>
-              <a:rPr lang="en-US" sz="2000" dirty="0"/>
-              <a:t>void </a:t>
-            </a:r>
-            <a:r>
-              <a:rPr lang="en-US" sz="2000" dirty="0" err="1"/>
-              <a:t>setInvalid</a:t>
-            </a:r>
-            <a:r>
-              <a:rPr lang="en-US" sz="2000" dirty="0"/>
-              <a:t> ()</a:t>
-            </a:r>
-          </a:p>
-          <a:p>
-            <a:pPr marL="0" indent="0">
-              <a:buNone/>
-            </a:pPr>
-            <a:endParaRPr lang="en-US" sz="1400" dirty="0"/>
+              <a:rPr lang="en-US" sz="2000" b="1" dirty="0">
+                <a:solidFill>
+                  <a:srgbClr val="993300"/>
+                </a:solidFill>
+              </a:rPr>
+              <a:t>Context</a:t>
+            </a:r>
+            <a:endParaRPr lang="en-US" sz="2000" dirty="0">
+              <a:solidFill>
+                <a:srgbClr val="993300"/>
+              </a:solidFill>
+            </a:endParaRPr>
           </a:p>
         </p:txBody>
       </p:sp>
@@ -6750,49 +7253,329 @@
             </a:lvl1pPr>
           </a:lstStyle>
           <a:p>
-            <a:pPr marL="0" marR="0" lvl="0" indent="0" algn="l" defTabSz="914400" rtl="0" eaLnBrk="1" fontAlgn="auto" latinLnBrk="0" hangingPunct="1">
-              <a:lnSpc>
-                <a:spcPct val="90000"/>
-              </a:lnSpc>
-              <a:spcBef>
-                <a:spcPct val="0"/>
-              </a:spcBef>
-              <a:spcAft>
-                <a:spcPts val="0"/>
-              </a:spcAft>
-              <a:buClrTx/>
-              <a:buSzTx/>
-              <a:buFontTx/>
-              <a:buNone/>
-              <a:tabLst/>
-              <a:defRPr/>
-            </a:pPr>
-            <a:r>
-              <a:rPr kumimoji="0" lang="en-US" sz="4400" b="1" i="0" u="none" strike="noStrike" kern="1200" cap="none" spc="0" normalizeH="0" baseline="0" noProof="0" dirty="0">
-                <a:ln>
-                  <a:noFill/>
-                </a:ln>
-                <a:solidFill>
-                  <a:prstClr val="black"/>
-                </a:solidFill>
-                <a:effectLst/>
-                <a:uLnTx/>
-                <a:uFillTx/>
-                <a:latin typeface="Calibri Light" panose="020F0302020204030204"/>
-                <a:ea typeface="+mj-ea"/>
-                <a:cs typeface="+mj-cs"/>
-              </a:rPr>
-              <a:t>Implemented Functionalities (2)</a:t>
-            </a:r>
+            <a:r>
+              <a:rPr lang="en-US" b="1" dirty="0"/>
+              <a:t>Fun Luggage Problem (Feature)</a:t>
+            </a:r>
+          </a:p>
+        </p:txBody>
+      </p:sp>
+      <p:grpSp>
+        <p:nvGrpSpPr>
+          <p:cNvPr id="28" name="Group 27">
+            <a:extLst>
+              <a:ext uri="{FF2B5EF4-FFF2-40B4-BE49-F238E27FC236}">
+                <a16:creationId xmlns:a16="http://schemas.microsoft.com/office/drawing/2014/main" id="{A990EF48-283C-4645-9E2D-F85D6F8BABAD}"/>
+              </a:ext>
+            </a:extLst>
+          </p:cNvPr>
+          <p:cNvGrpSpPr/>
+          <p:nvPr/>
+        </p:nvGrpSpPr>
+        <p:grpSpPr>
+          <a:xfrm>
+            <a:off x="704851" y="1740686"/>
+            <a:ext cx="895350" cy="4852990"/>
+            <a:chOff x="704851" y="1740686"/>
+            <a:chExt cx="895350" cy="4852990"/>
+          </a:xfrm>
+        </p:grpSpPr>
+        <p:sp>
+          <p:nvSpPr>
+            <p:cNvPr id="2" name="Rectangle: Rounded Corners 1">
+              <a:extLst>
+                <a:ext uri="{FF2B5EF4-FFF2-40B4-BE49-F238E27FC236}">
+                  <a16:creationId xmlns:a16="http://schemas.microsoft.com/office/drawing/2014/main" id="{EF777172-E34A-4C55-8B6E-029C71DA839E}"/>
+                </a:ext>
+              </a:extLst>
+            </p:cNvPr>
+            <p:cNvSpPr/>
+            <p:nvPr/>
+          </p:nvSpPr>
+          <p:spPr>
+            <a:xfrm>
+              <a:off x="704851" y="1740686"/>
+              <a:ext cx="895350" cy="895350"/>
+            </a:xfrm>
+            <a:prstGeom prst="roundRect">
+              <a:avLst/>
+            </a:prstGeom>
+            <a:solidFill>
+              <a:srgbClr val="993300"/>
+            </a:solidFill>
+            <a:ln>
+              <a:solidFill>
+                <a:srgbClr val="993300"/>
+              </a:solidFill>
+            </a:ln>
+          </p:spPr>
+          <p:style>
+            <a:lnRef idx="2">
+              <a:schemeClr val="dk1">
+                <a:shade val="50000"/>
+              </a:schemeClr>
+            </a:lnRef>
+            <a:fillRef idx="1001">
+              <a:schemeClr val="dk2"/>
+            </a:fillRef>
+            <a:effectRef idx="0">
+              <a:schemeClr val="dk1"/>
+            </a:effectRef>
+            <a:fontRef idx="minor">
+              <a:schemeClr val="lt1"/>
+            </a:fontRef>
+          </p:style>
+          <p:txBody>
+            <a:bodyPr rtlCol="0" anchor="ctr"/>
+            <a:lstStyle/>
+            <a:p>
+              <a:pPr algn="ctr"/>
+              <a:endParaRPr lang="en-US"/>
+            </a:p>
+          </p:txBody>
+        </p:sp>
+        <p:cxnSp>
+          <p:nvCxnSpPr>
+            <p:cNvPr id="7" name="Straight Connector 6">
+              <a:extLst>
+                <a:ext uri="{FF2B5EF4-FFF2-40B4-BE49-F238E27FC236}">
+                  <a16:creationId xmlns:a16="http://schemas.microsoft.com/office/drawing/2014/main" id="{92B2ABC5-5EF0-4ED2-82B7-3D08296E5D93}"/>
+                </a:ext>
+              </a:extLst>
+            </p:cNvPr>
+            <p:cNvCxnSpPr>
+              <a:cxnSpLocks/>
+              <a:stCxn id="2" idx="2"/>
+            </p:cNvCxnSpPr>
+            <p:nvPr/>
+          </p:nvCxnSpPr>
+          <p:spPr>
+            <a:xfrm>
+              <a:off x="1152526" y="2636036"/>
+              <a:ext cx="0" cy="585788"/>
+            </a:xfrm>
+            <a:prstGeom prst="line">
+              <a:avLst/>
+            </a:prstGeom>
+            <a:ln>
+              <a:solidFill>
+                <a:srgbClr val="993300"/>
+              </a:solidFill>
+            </a:ln>
+          </p:spPr>
+          <p:style>
+            <a:lnRef idx="1">
+              <a:schemeClr val="dk1"/>
+            </a:lnRef>
+            <a:fillRef idx="0">
+              <a:schemeClr val="dk1"/>
+            </a:fillRef>
+            <a:effectRef idx="0">
+              <a:schemeClr val="dk1"/>
+            </a:effectRef>
+            <a:fontRef idx="minor">
+              <a:schemeClr val="tx1"/>
+            </a:fontRef>
+          </p:style>
+        </p:cxnSp>
+        <p:sp>
+          <p:nvSpPr>
+            <p:cNvPr id="9" name="Rectangle 8">
+              <a:extLst>
+                <a:ext uri="{FF2B5EF4-FFF2-40B4-BE49-F238E27FC236}">
+                  <a16:creationId xmlns:a16="http://schemas.microsoft.com/office/drawing/2014/main" id="{7683A74B-2B2A-484A-A882-AD403AFAA5E4}"/>
+                </a:ext>
+              </a:extLst>
+            </p:cNvPr>
+            <p:cNvSpPr/>
+            <p:nvPr/>
+          </p:nvSpPr>
+          <p:spPr>
+            <a:xfrm>
+              <a:off x="747714" y="3224206"/>
+              <a:ext cx="809624" cy="1390650"/>
+            </a:xfrm>
+            <a:prstGeom prst="rect">
+              <a:avLst/>
+            </a:prstGeom>
+            <a:solidFill>
+              <a:schemeClr val="bg1"/>
+            </a:solidFill>
+            <a:ln>
+              <a:solidFill>
+                <a:srgbClr val="993300"/>
+              </a:solidFill>
+            </a:ln>
+          </p:spPr>
+          <p:style>
+            <a:lnRef idx="2">
+              <a:schemeClr val="dk1"/>
+            </a:lnRef>
+            <a:fillRef idx="1">
+              <a:schemeClr val="lt1"/>
+            </a:fillRef>
+            <a:effectRef idx="0">
+              <a:schemeClr val="dk1"/>
+            </a:effectRef>
+            <a:fontRef idx="minor">
+              <a:schemeClr val="dk1"/>
+            </a:fontRef>
+          </p:style>
+          <p:txBody>
+            <a:bodyPr rtlCol="0" anchor="ctr"/>
+            <a:lstStyle/>
+            <a:p>
+              <a:pPr algn="ctr"/>
+              <a:endParaRPr lang="en-US"/>
+            </a:p>
+          </p:txBody>
+        </p:sp>
+        <p:cxnSp>
+          <p:nvCxnSpPr>
+            <p:cNvPr id="10" name="Straight Connector 9">
+              <a:extLst>
+                <a:ext uri="{FF2B5EF4-FFF2-40B4-BE49-F238E27FC236}">
+                  <a16:creationId xmlns:a16="http://schemas.microsoft.com/office/drawing/2014/main" id="{B8BCC148-8413-4938-BC49-929560261469}"/>
+                </a:ext>
+              </a:extLst>
+            </p:cNvPr>
+            <p:cNvCxnSpPr>
+              <a:cxnSpLocks/>
+            </p:cNvCxnSpPr>
+            <p:nvPr/>
+          </p:nvCxnSpPr>
+          <p:spPr>
+            <a:xfrm>
+              <a:off x="1152526" y="4614856"/>
+              <a:ext cx="0" cy="585788"/>
+            </a:xfrm>
+            <a:prstGeom prst="line">
+              <a:avLst/>
+            </a:prstGeom>
+            <a:ln>
+              <a:solidFill>
+                <a:srgbClr val="993300"/>
+              </a:solidFill>
+            </a:ln>
+          </p:spPr>
+          <p:style>
+            <a:lnRef idx="1">
+              <a:schemeClr val="dk1"/>
+            </a:lnRef>
+            <a:fillRef idx="0">
+              <a:schemeClr val="dk1"/>
+            </a:fillRef>
+            <a:effectRef idx="0">
+              <a:schemeClr val="dk1"/>
+            </a:effectRef>
+            <a:fontRef idx="minor">
+              <a:schemeClr val="tx1"/>
+            </a:fontRef>
+          </p:style>
+        </p:cxnSp>
+        <p:sp>
+          <p:nvSpPr>
+            <p:cNvPr id="11" name="Rectangle 10">
+              <a:extLst>
+                <a:ext uri="{FF2B5EF4-FFF2-40B4-BE49-F238E27FC236}">
+                  <a16:creationId xmlns:a16="http://schemas.microsoft.com/office/drawing/2014/main" id="{D911B007-E8F2-4DC9-91AA-DF877ABDC0D8}"/>
+                </a:ext>
+              </a:extLst>
+            </p:cNvPr>
+            <p:cNvSpPr/>
+            <p:nvPr/>
+          </p:nvSpPr>
+          <p:spPr>
+            <a:xfrm>
+              <a:off x="747714" y="5203026"/>
+              <a:ext cx="809624" cy="1390650"/>
+            </a:xfrm>
+            <a:prstGeom prst="rect">
+              <a:avLst/>
+            </a:prstGeom>
+            <a:solidFill>
+              <a:schemeClr val="bg1"/>
+            </a:solidFill>
+            <a:ln>
+              <a:solidFill>
+                <a:srgbClr val="993300"/>
+              </a:solidFill>
+            </a:ln>
+          </p:spPr>
+          <p:style>
+            <a:lnRef idx="2">
+              <a:schemeClr val="dk1"/>
+            </a:lnRef>
+            <a:fillRef idx="1">
+              <a:schemeClr val="lt1"/>
+            </a:fillRef>
+            <a:effectRef idx="0">
+              <a:schemeClr val="dk1"/>
+            </a:effectRef>
+            <a:fontRef idx="minor">
+              <a:schemeClr val="dk1"/>
+            </a:fontRef>
+          </p:style>
+          <p:txBody>
+            <a:bodyPr rtlCol="0" anchor="ctr"/>
+            <a:lstStyle/>
+            <a:p>
+              <a:pPr algn="ctr"/>
+              <a:endParaRPr lang="en-US"/>
+            </a:p>
+          </p:txBody>
+        </p:sp>
+      </p:grpSp>
+      <p:sp>
+        <p:nvSpPr>
+          <p:cNvPr id="12" name="Arrow: Left 11">
+            <a:extLst>
+              <a:ext uri="{FF2B5EF4-FFF2-40B4-BE49-F238E27FC236}">
+                <a16:creationId xmlns:a16="http://schemas.microsoft.com/office/drawing/2014/main" id="{1829D4F5-3B94-477C-83DF-1B66BE7A675A}"/>
+              </a:ext>
+            </a:extLst>
+          </p:cNvPr>
+          <p:cNvSpPr/>
+          <p:nvPr/>
+        </p:nvSpPr>
+        <p:spPr>
+          <a:xfrm>
+            <a:off x="1716882" y="5684830"/>
+            <a:ext cx="923924" cy="502445"/>
+          </a:xfrm>
+          <a:prstGeom prst="leftArrow">
+            <a:avLst/>
+          </a:prstGeom>
+        </p:spPr>
+        <p:style>
+          <a:lnRef idx="2">
+            <a:schemeClr val="dk1"/>
+          </a:lnRef>
+          <a:fillRef idx="1">
+            <a:schemeClr val="lt1"/>
+          </a:fillRef>
+          <a:effectRef idx="0">
+            <a:schemeClr val="dk1"/>
+          </a:effectRef>
+          <a:fontRef idx="minor">
+            <a:schemeClr val="dk1"/>
+          </a:fontRef>
+        </p:style>
+        <p:txBody>
+          <a:bodyPr rtlCol="0" anchor="ctr"/>
+          <a:lstStyle/>
+          <a:p>
+            <a:pPr algn="ctr"/>
+            <a:endParaRPr lang="en-US"/>
           </a:p>
         </p:txBody>
       </p:sp>
       <p:sp>
         <p:nvSpPr>
-          <p:cNvPr id="9" name="Content Placeholder 2">
-            <a:extLst>
-              <a:ext uri="{FF2B5EF4-FFF2-40B4-BE49-F238E27FC236}">
-                <a16:creationId xmlns:a16="http://schemas.microsoft.com/office/drawing/2014/main" id="{FAEE5E71-00E4-4AF8-AEA4-90B8C991837F}"/>
+          <p:cNvPr id="13" name="Content Placeholder 2">
+            <a:extLst>
+              <a:ext uri="{FF2B5EF4-FFF2-40B4-BE49-F238E27FC236}">
+                <a16:creationId xmlns:a16="http://schemas.microsoft.com/office/drawing/2014/main" id="{F652911F-5421-44C2-92C7-941765785051}"/>
               </a:ext>
             </a:extLst>
           </p:cNvPr>
@@ -6803,8 +7586,211 @@
         </p:nvSpPr>
         <p:spPr>
           <a:xfrm>
-            <a:off x="5551368" y="1812777"/>
-            <a:ext cx="5394898" cy="2441872"/>
+            <a:off x="2683668" y="5740392"/>
+            <a:ext cx="3881438" cy="450058"/>
+          </a:xfrm>
+          <a:prstGeom prst="rect">
+            <a:avLst/>
+          </a:prstGeom>
+        </p:spPr>
+        <p:txBody>
+          <a:bodyPr vert="horz" lIns="91440" tIns="45720" rIns="91440" bIns="45720" rtlCol="0">
+            <a:normAutofit fontScale="77500" lnSpcReduction="20000"/>
+          </a:bodyPr>
+          <a:lstStyle>
+            <a:lvl1pPr marL="228600" indent="-228600" algn="l" defTabSz="914400" rtl="0" eaLnBrk="1" latinLnBrk="0" hangingPunct="1">
+              <a:lnSpc>
+                <a:spcPct val="90000"/>
+              </a:lnSpc>
+              <a:spcBef>
+                <a:spcPts val="1000"/>
+              </a:spcBef>
+              <a:buFont typeface="Arial" panose="020B0604020202020204" pitchFamily="34" charset="0"/>
+              <a:buChar char="•"/>
+              <a:defRPr sz="2800" kern="1200">
+                <a:solidFill>
+                  <a:schemeClr val="tx1"/>
+                </a:solidFill>
+                <a:latin typeface="+mn-lt"/>
+                <a:ea typeface="+mn-ea"/>
+                <a:cs typeface="+mn-cs"/>
+              </a:defRPr>
+            </a:lvl1pPr>
+            <a:lvl2pPr marL="685800" indent="-228600" algn="l" defTabSz="914400" rtl="0" eaLnBrk="1" latinLnBrk="0" hangingPunct="1">
+              <a:lnSpc>
+                <a:spcPct val="90000"/>
+              </a:lnSpc>
+              <a:spcBef>
+                <a:spcPts val="500"/>
+              </a:spcBef>
+              <a:buFont typeface="Arial" panose="020B0604020202020204" pitchFamily="34" charset="0"/>
+              <a:buChar char="•"/>
+              <a:defRPr sz="2400" kern="1200">
+                <a:solidFill>
+                  <a:schemeClr val="tx1"/>
+                </a:solidFill>
+                <a:latin typeface="+mn-lt"/>
+                <a:ea typeface="+mn-ea"/>
+                <a:cs typeface="+mn-cs"/>
+              </a:defRPr>
+            </a:lvl2pPr>
+            <a:lvl3pPr marL="1143000" indent="-228600" algn="l" defTabSz="914400" rtl="0" eaLnBrk="1" latinLnBrk="0" hangingPunct="1">
+              <a:lnSpc>
+                <a:spcPct val="90000"/>
+              </a:lnSpc>
+              <a:spcBef>
+                <a:spcPts val="500"/>
+              </a:spcBef>
+              <a:buFont typeface="Arial" panose="020B0604020202020204" pitchFamily="34" charset="0"/>
+              <a:buChar char="•"/>
+              <a:defRPr sz="2000" kern="1200">
+                <a:solidFill>
+                  <a:schemeClr val="tx1"/>
+                </a:solidFill>
+                <a:latin typeface="+mn-lt"/>
+                <a:ea typeface="+mn-ea"/>
+                <a:cs typeface="+mn-cs"/>
+              </a:defRPr>
+            </a:lvl3pPr>
+            <a:lvl4pPr marL="1600200" indent="-228600" algn="l" defTabSz="914400" rtl="0" eaLnBrk="1" latinLnBrk="0" hangingPunct="1">
+              <a:lnSpc>
+                <a:spcPct val="90000"/>
+              </a:lnSpc>
+              <a:spcBef>
+                <a:spcPts val="500"/>
+              </a:spcBef>
+              <a:buFont typeface="Arial" panose="020B0604020202020204" pitchFamily="34" charset="0"/>
+              <a:buChar char="•"/>
+              <a:defRPr sz="1800" kern="1200">
+                <a:solidFill>
+                  <a:schemeClr val="tx1"/>
+                </a:solidFill>
+                <a:latin typeface="+mn-lt"/>
+                <a:ea typeface="+mn-ea"/>
+                <a:cs typeface="+mn-cs"/>
+              </a:defRPr>
+            </a:lvl4pPr>
+            <a:lvl5pPr marL="2057400" indent="-228600" algn="l" defTabSz="914400" rtl="0" eaLnBrk="1" latinLnBrk="0" hangingPunct="1">
+              <a:lnSpc>
+                <a:spcPct val="90000"/>
+              </a:lnSpc>
+              <a:spcBef>
+                <a:spcPts val="500"/>
+              </a:spcBef>
+              <a:buFont typeface="Arial" panose="020B0604020202020204" pitchFamily="34" charset="0"/>
+              <a:buChar char="•"/>
+              <a:defRPr sz="1800" kern="1200">
+                <a:solidFill>
+                  <a:schemeClr val="tx1"/>
+                </a:solidFill>
+                <a:latin typeface="+mn-lt"/>
+                <a:ea typeface="+mn-ea"/>
+                <a:cs typeface="+mn-cs"/>
+              </a:defRPr>
+            </a:lvl5pPr>
+            <a:lvl6pPr marL="2514600" indent="-228600" algn="l" defTabSz="914400" rtl="0" eaLnBrk="1" latinLnBrk="0" hangingPunct="1">
+              <a:lnSpc>
+                <a:spcPct val="90000"/>
+              </a:lnSpc>
+              <a:spcBef>
+                <a:spcPts val="500"/>
+              </a:spcBef>
+              <a:buFont typeface="Arial" panose="020B0604020202020204" pitchFamily="34" charset="0"/>
+              <a:buChar char="•"/>
+              <a:defRPr sz="1800" kern="1200">
+                <a:solidFill>
+                  <a:schemeClr val="tx1"/>
+                </a:solidFill>
+                <a:latin typeface="+mn-lt"/>
+                <a:ea typeface="+mn-ea"/>
+                <a:cs typeface="+mn-cs"/>
+              </a:defRPr>
+            </a:lvl6pPr>
+            <a:lvl7pPr marL="2971800" indent="-228600" algn="l" defTabSz="914400" rtl="0" eaLnBrk="1" latinLnBrk="0" hangingPunct="1">
+              <a:lnSpc>
+                <a:spcPct val="90000"/>
+              </a:lnSpc>
+              <a:spcBef>
+                <a:spcPts val="500"/>
+              </a:spcBef>
+              <a:buFont typeface="Arial" panose="020B0604020202020204" pitchFamily="34" charset="0"/>
+              <a:buChar char="•"/>
+              <a:defRPr sz="1800" kern="1200">
+                <a:solidFill>
+                  <a:schemeClr val="tx1"/>
+                </a:solidFill>
+                <a:latin typeface="+mn-lt"/>
+                <a:ea typeface="+mn-ea"/>
+                <a:cs typeface="+mn-cs"/>
+              </a:defRPr>
+            </a:lvl7pPr>
+            <a:lvl8pPr marL="3429000" indent="-228600" algn="l" defTabSz="914400" rtl="0" eaLnBrk="1" latinLnBrk="0" hangingPunct="1">
+              <a:lnSpc>
+                <a:spcPct val="90000"/>
+              </a:lnSpc>
+              <a:spcBef>
+                <a:spcPts val="500"/>
+              </a:spcBef>
+              <a:buFont typeface="Arial" panose="020B0604020202020204" pitchFamily="34" charset="0"/>
+              <a:buChar char="•"/>
+              <a:defRPr sz="1800" kern="1200">
+                <a:solidFill>
+                  <a:schemeClr val="tx1"/>
+                </a:solidFill>
+                <a:latin typeface="+mn-lt"/>
+                <a:ea typeface="+mn-ea"/>
+                <a:cs typeface="+mn-cs"/>
+              </a:defRPr>
+            </a:lvl8pPr>
+            <a:lvl9pPr marL="3886200" indent="-228600" algn="l" defTabSz="914400" rtl="0" eaLnBrk="1" latinLnBrk="0" hangingPunct="1">
+              <a:lnSpc>
+                <a:spcPct val="90000"/>
+              </a:lnSpc>
+              <a:spcBef>
+                <a:spcPts val="500"/>
+              </a:spcBef>
+              <a:buFont typeface="Arial" panose="020B0604020202020204" pitchFamily="34" charset="0"/>
+              <a:buChar char="•"/>
+              <a:defRPr sz="1800" kern="1200">
+                <a:solidFill>
+                  <a:schemeClr val="tx1"/>
+                </a:solidFill>
+                <a:latin typeface="+mn-lt"/>
+                <a:ea typeface="+mn-ea"/>
+                <a:cs typeface="+mn-cs"/>
+              </a:defRPr>
+            </a:lvl9pPr>
+          </a:lstStyle>
+          <a:p>
+            <a:pPr marL="0" indent="0">
+              <a:buFont typeface="Arial" panose="020B0604020202020204" pitchFamily="34" charset="0"/>
+              <a:buNone/>
+            </a:pPr>
+            <a:r>
+              <a:rPr lang="en-US" sz="2000" dirty="0"/>
+              <a:t>Carriages are added or remove through the back</a:t>
+            </a:r>
+          </a:p>
+        </p:txBody>
+      </p:sp>
+      <p:sp>
+        <p:nvSpPr>
+          <p:cNvPr id="14" name="Content Placeholder 2">
+            <a:extLst>
+              <a:ext uri="{FF2B5EF4-FFF2-40B4-BE49-F238E27FC236}">
+                <a16:creationId xmlns:a16="http://schemas.microsoft.com/office/drawing/2014/main" id="{4ACFA209-2A9E-4478-B08A-AD625D057D34}"/>
+              </a:ext>
+            </a:extLst>
+          </p:cNvPr>
+          <p:cNvSpPr txBox="1">
+            <a:spLocks/>
+          </p:cNvSpPr>
+          <p:nvPr/>
+        </p:nvSpPr>
+        <p:spPr>
+          <a:xfrm>
+            <a:off x="3039665" y="4054169"/>
+            <a:ext cx="3169444" cy="719736"/>
           </a:xfrm>
           <a:prstGeom prst="rect">
             <a:avLst/>
@@ -6980,162 +7966,64 @@
           </a:lstStyle>
           <a:p>
             <a:pPr marL="0" indent="0">
-              <a:buNone/>
-              <a:defRPr/>
+              <a:buFont typeface="Arial" panose="020B0604020202020204" pitchFamily="34" charset="0"/>
+              <a:buNone/>
             </a:pPr>
             <a:r>
-              <a:rPr lang="en-US" sz="2000" b="1" dirty="0"/>
-              <a:t>Subclass Date</a:t>
-            </a:r>
-            <a:endParaRPr lang="en-US" sz="2000" dirty="0"/>
-          </a:p>
-          <a:p>
-            <a:pPr marL="0" marR="0" lvl="0" indent="0" algn="l" defTabSz="914400" rtl="0" eaLnBrk="1" fontAlgn="auto" latinLnBrk="0" hangingPunct="1">
-              <a:lnSpc>
-                <a:spcPct val="90000"/>
-              </a:lnSpc>
-              <a:spcBef>
-                <a:spcPts val="1000"/>
-              </a:spcBef>
-              <a:spcAft>
-                <a:spcPts val="0"/>
-              </a:spcAft>
-              <a:buClrTx/>
-              <a:buSzTx/>
-              <a:buFont typeface="Arial" panose="020B0604020202020204" pitchFamily="34" charset="0"/>
-              <a:buNone/>
-              <a:tabLst/>
-              <a:defRPr/>
-            </a:pPr>
-            <a:r>
               <a:rPr lang="en-US" sz="2000" dirty="0"/>
-              <a:t>Duration (int hours, int min, int secs)</a:t>
-            </a:r>
-          </a:p>
-          <a:p>
-            <a:pPr marL="0" marR="0" lvl="0" indent="0" algn="l" defTabSz="914400" rtl="0" eaLnBrk="1" fontAlgn="auto" latinLnBrk="0" hangingPunct="1">
-              <a:lnSpc>
-                <a:spcPct val="90000"/>
-              </a:lnSpc>
-              <a:spcBef>
-                <a:spcPts val="1000"/>
-              </a:spcBef>
-              <a:spcAft>
-                <a:spcPts val="0"/>
-              </a:spcAft>
-              <a:buClrTx/>
-              <a:buSzTx/>
-              <a:buFont typeface="Arial" panose="020B0604020202020204" pitchFamily="34" charset="0"/>
-              <a:buNone/>
-              <a:tabLst/>
-              <a:defRPr/>
-            </a:pPr>
-            <a:r>
-              <a:rPr lang="en-US" sz="2000" dirty="0"/>
-              <a:t>int </a:t>
-            </a:r>
-            <a:r>
-              <a:rPr lang="en-US" sz="2000" dirty="0" err="1"/>
-              <a:t>getHours</a:t>
-            </a:r>
-            <a:r>
-              <a:rPr lang="en-US" sz="2000" dirty="0"/>
-              <a:t> ()</a:t>
-            </a:r>
-          </a:p>
-          <a:p>
-            <a:pPr marL="0" marR="0" lvl="0" indent="0" algn="l" defTabSz="914400" rtl="0" eaLnBrk="1" fontAlgn="auto" latinLnBrk="0" hangingPunct="1">
-              <a:lnSpc>
-                <a:spcPct val="90000"/>
-              </a:lnSpc>
-              <a:spcBef>
-                <a:spcPts val="1000"/>
-              </a:spcBef>
-              <a:spcAft>
-                <a:spcPts val="0"/>
-              </a:spcAft>
-              <a:buClrTx/>
-              <a:buSzTx/>
-              <a:buFont typeface="Arial" panose="020B0604020202020204" pitchFamily="34" charset="0"/>
-              <a:buNone/>
-              <a:tabLst/>
-              <a:defRPr/>
-            </a:pPr>
-            <a:r>
-              <a:rPr lang="en-US" sz="2000" dirty="0"/>
-              <a:t>int </a:t>
-            </a:r>
-            <a:r>
-              <a:rPr lang="en-US" sz="2000" dirty="0" err="1"/>
-              <a:t>getMin</a:t>
-            </a:r>
-            <a:r>
-              <a:rPr lang="en-US" sz="2000" dirty="0"/>
-              <a:t> ()</a:t>
-            </a:r>
-          </a:p>
-          <a:p>
-            <a:pPr marL="0" marR="0" lvl="0" indent="0" algn="l" defTabSz="914400" rtl="0" eaLnBrk="1" fontAlgn="auto" latinLnBrk="0" hangingPunct="1">
-              <a:lnSpc>
-                <a:spcPct val="90000"/>
-              </a:lnSpc>
-              <a:spcBef>
-                <a:spcPts val="1000"/>
-              </a:spcBef>
-              <a:spcAft>
-                <a:spcPts val="0"/>
-              </a:spcAft>
-              <a:buClrTx/>
-              <a:buSzTx/>
-              <a:buFont typeface="Arial" panose="020B0604020202020204" pitchFamily="34" charset="0"/>
-              <a:buNone/>
-              <a:tabLst/>
-              <a:defRPr/>
-            </a:pPr>
-            <a:r>
-              <a:rPr lang="en-US" sz="2000" dirty="0"/>
-              <a:t>int </a:t>
-            </a:r>
-            <a:r>
-              <a:rPr lang="en-US" sz="2000" dirty="0" err="1"/>
-              <a:t>getSecs</a:t>
-            </a:r>
-            <a:r>
-              <a:rPr lang="en-US" sz="2000" dirty="0"/>
-              <a:t> ()</a:t>
-            </a:r>
-          </a:p>
-          <a:p>
-            <a:pPr marL="0" marR="0" lvl="0" indent="0" algn="l" defTabSz="914400" rtl="0" eaLnBrk="1" fontAlgn="auto" latinLnBrk="0" hangingPunct="1">
-              <a:lnSpc>
-                <a:spcPct val="90000"/>
-              </a:lnSpc>
-              <a:spcBef>
-                <a:spcPts val="1000"/>
-              </a:spcBef>
-              <a:spcAft>
-                <a:spcPts val="0"/>
-              </a:spcAft>
-              <a:buClrTx/>
-              <a:buSzTx/>
-              <a:buFont typeface="Arial" panose="020B0604020202020204" pitchFamily="34" charset="0"/>
-              <a:buNone/>
-              <a:tabLst/>
-              <a:defRPr/>
-            </a:pPr>
-            <a:r>
-              <a:rPr lang="en-US" sz="2000" dirty="0"/>
-              <a:t>Duration operator+ (Duration const &amp;right) const </a:t>
+              <a:t>Used capacity of carriages in the front must be prioritized</a:t>
             </a:r>
           </a:p>
         </p:txBody>
       </p:sp>
+      <p:cxnSp>
+        <p:nvCxnSpPr>
+          <p:cNvPr id="15" name="Straight Arrow Connector 14">
+            <a:extLst>
+              <a:ext uri="{FF2B5EF4-FFF2-40B4-BE49-F238E27FC236}">
+                <a16:creationId xmlns:a16="http://schemas.microsoft.com/office/drawing/2014/main" id="{80873CE3-BA40-4374-BC65-604B65916EE3}"/>
+              </a:ext>
+            </a:extLst>
+          </p:cNvPr>
+          <p:cNvCxnSpPr>
+            <a:cxnSpLocks/>
+            <a:stCxn id="13" idx="0"/>
+          </p:cNvCxnSpPr>
+          <p:nvPr/>
+        </p:nvCxnSpPr>
+        <p:spPr>
+          <a:xfrm flipH="1" flipV="1">
+            <a:off x="4614862" y="4652956"/>
+            <a:ext cx="9525" cy="1087436"/>
+          </a:xfrm>
+          <a:prstGeom prst="straightConnector1">
+            <a:avLst/>
+          </a:prstGeom>
+          <a:ln>
+            <a:tailEnd type="triangle"/>
+          </a:ln>
+        </p:spPr>
+        <p:style>
+          <a:lnRef idx="1">
+            <a:schemeClr val="dk1"/>
+          </a:lnRef>
+          <a:fillRef idx="0">
+            <a:schemeClr val="dk1"/>
+          </a:fillRef>
+          <a:effectRef idx="0">
+            <a:schemeClr val="dk1"/>
+          </a:effectRef>
+          <a:fontRef idx="minor">
+            <a:schemeClr val="tx1"/>
+          </a:fontRef>
+        </p:style>
+      </p:cxnSp>
       <p:sp>
         <p:nvSpPr>
-          <p:cNvPr id="7" name="Content Placeholder 2">
-            <a:extLst>
-              <a:ext uri="{FF2B5EF4-FFF2-40B4-BE49-F238E27FC236}">
-                <a16:creationId xmlns:a16="http://schemas.microsoft.com/office/drawing/2014/main" id="{79C3FD6F-6EC5-4979-83C1-302C2E358C47}"/>
+          <p:cNvPr id="18" name="Content Placeholder 2">
+            <a:extLst>
+              <a:ext uri="{FF2B5EF4-FFF2-40B4-BE49-F238E27FC236}">
+                <a16:creationId xmlns:a16="http://schemas.microsoft.com/office/drawing/2014/main" id="{7DF763FC-7EC5-4A6D-B80A-C404C6991FDA}"/>
               </a:ext>
             </a:extLst>
           </p:cNvPr>
@@ -7146,8 +8034,211 @@
         </p:nvSpPr>
         <p:spPr>
           <a:xfrm>
-            <a:off x="516960" y="3033713"/>
-            <a:ext cx="5181078" cy="1289713"/>
+            <a:off x="3490912" y="5039314"/>
+            <a:ext cx="1266824" cy="327423"/>
+          </a:xfrm>
+          <a:prstGeom prst="rect">
+            <a:avLst/>
+          </a:prstGeom>
+        </p:spPr>
+        <p:txBody>
+          <a:bodyPr vert="horz" lIns="91440" tIns="45720" rIns="91440" bIns="45720" rtlCol="0">
+            <a:normAutofit fontScale="92500" lnSpcReduction="20000"/>
+          </a:bodyPr>
+          <a:lstStyle>
+            <a:lvl1pPr marL="228600" indent="-228600" algn="l" defTabSz="914400" rtl="0" eaLnBrk="1" latinLnBrk="0" hangingPunct="1">
+              <a:lnSpc>
+                <a:spcPct val="90000"/>
+              </a:lnSpc>
+              <a:spcBef>
+                <a:spcPts val="1000"/>
+              </a:spcBef>
+              <a:buFont typeface="Arial" panose="020B0604020202020204" pitchFamily="34" charset="0"/>
+              <a:buChar char="•"/>
+              <a:defRPr sz="2800" kern="1200">
+                <a:solidFill>
+                  <a:schemeClr val="tx1"/>
+                </a:solidFill>
+                <a:latin typeface="+mn-lt"/>
+                <a:ea typeface="+mn-ea"/>
+                <a:cs typeface="+mn-cs"/>
+              </a:defRPr>
+            </a:lvl1pPr>
+            <a:lvl2pPr marL="685800" indent="-228600" algn="l" defTabSz="914400" rtl="0" eaLnBrk="1" latinLnBrk="0" hangingPunct="1">
+              <a:lnSpc>
+                <a:spcPct val="90000"/>
+              </a:lnSpc>
+              <a:spcBef>
+                <a:spcPts val="500"/>
+              </a:spcBef>
+              <a:buFont typeface="Arial" panose="020B0604020202020204" pitchFamily="34" charset="0"/>
+              <a:buChar char="•"/>
+              <a:defRPr sz="2400" kern="1200">
+                <a:solidFill>
+                  <a:schemeClr val="tx1"/>
+                </a:solidFill>
+                <a:latin typeface="+mn-lt"/>
+                <a:ea typeface="+mn-ea"/>
+                <a:cs typeface="+mn-cs"/>
+              </a:defRPr>
+            </a:lvl2pPr>
+            <a:lvl3pPr marL="1143000" indent="-228600" algn="l" defTabSz="914400" rtl="0" eaLnBrk="1" latinLnBrk="0" hangingPunct="1">
+              <a:lnSpc>
+                <a:spcPct val="90000"/>
+              </a:lnSpc>
+              <a:spcBef>
+                <a:spcPts val="500"/>
+              </a:spcBef>
+              <a:buFont typeface="Arial" panose="020B0604020202020204" pitchFamily="34" charset="0"/>
+              <a:buChar char="•"/>
+              <a:defRPr sz="2000" kern="1200">
+                <a:solidFill>
+                  <a:schemeClr val="tx1"/>
+                </a:solidFill>
+                <a:latin typeface="+mn-lt"/>
+                <a:ea typeface="+mn-ea"/>
+                <a:cs typeface="+mn-cs"/>
+              </a:defRPr>
+            </a:lvl3pPr>
+            <a:lvl4pPr marL="1600200" indent="-228600" algn="l" defTabSz="914400" rtl="0" eaLnBrk="1" latinLnBrk="0" hangingPunct="1">
+              <a:lnSpc>
+                <a:spcPct val="90000"/>
+              </a:lnSpc>
+              <a:spcBef>
+                <a:spcPts val="500"/>
+              </a:spcBef>
+              <a:buFont typeface="Arial" panose="020B0604020202020204" pitchFamily="34" charset="0"/>
+              <a:buChar char="•"/>
+              <a:defRPr sz="1800" kern="1200">
+                <a:solidFill>
+                  <a:schemeClr val="tx1"/>
+                </a:solidFill>
+                <a:latin typeface="+mn-lt"/>
+                <a:ea typeface="+mn-ea"/>
+                <a:cs typeface="+mn-cs"/>
+              </a:defRPr>
+            </a:lvl4pPr>
+            <a:lvl5pPr marL="2057400" indent="-228600" algn="l" defTabSz="914400" rtl="0" eaLnBrk="1" latinLnBrk="0" hangingPunct="1">
+              <a:lnSpc>
+                <a:spcPct val="90000"/>
+              </a:lnSpc>
+              <a:spcBef>
+                <a:spcPts val="500"/>
+              </a:spcBef>
+              <a:buFont typeface="Arial" panose="020B0604020202020204" pitchFamily="34" charset="0"/>
+              <a:buChar char="•"/>
+              <a:defRPr sz="1800" kern="1200">
+                <a:solidFill>
+                  <a:schemeClr val="tx1"/>
+                </a:solidFill>
+                <a:latin typeface="+mn-lt"/>
+                <a:ea typeface="+mn-ea"/>
+                <a:cs typeface="+mn-cs"/>
+              </a:defRPr>
+            </a:lvl5pPr>
+            <a:lvl6pPr marL="2514600" indent="-228600" algn="l" defTabSz="914400" rtl="0" eaLnBrk="1" latinLnBrk="0" hangingPunct="1">
+              <a:lnSpc>
+                <a:spcPct val="90000"/>
+              </a:lnSpc>
+              <a:spcBef>
+                <a:spcPts val="500"/>
+              </a:spcBef>
+              <a:buFont typeface="Arial" panose="020B0604020202020204" pitchFamily="34" charset="0"/>
+              <a:buChar char="•"/>
+              <a:defRPr sz="1800" kern="1200">
+                <a:solidFill>
+                  <a:schemeClr val="tx1"/>
+                </a:solidFill>
+                <a:latin typeface="+mn-lt"/>
+                <a:ea typeface="+mn-ea"/>
+                <a:cs typeface="+mn-cs"/>
+              </a:defRPr>
+            </a:lvl6pPr>
+            <a:lvl7pPr marL="2971800" indent="-228600" algn="l" defTabSz="914400" rtl="0" eaLnBrk="1" latinLnBrk="0" hangingPunct="1">
+              <a:lnSpc>
+                <a:spcPct val="90000"/>
+              </a:lnSpc>
+              <a:spcBef>
+                <a:spcPts val="500"/>
+              </a:spcBef>
+              <a:buFont typeface="Arial" panose="020B0604020202020204" pitchFamily="34" charset="0"/>
+              <a:buChar char="•"/>
+              <a:defRPr sz="1800" kern="1200">
+                <a:solidFill>
+                  <a:schemeClr val="tx1"/>
+                </a:solidFill>
+                <a:latin typeface="+mn-lt"/>
+                <a:ea typeface="+mn-ea"/>
+                <a:cs typeface="+mn-cs"/>
+              </a:defRPr>
+            </a:lvl7pPr>
+            <a:lvl8pPr marL="3429000" indent="-228600" algn="l" defTabSz="914400" rtl="0" eaLnBrk="1" latinLnBrk="0" hangingPunct="1">
+              <a:lnSpc>
+                <a:spcPct val="90000"/>
+              </a:lnSpc>
+              <a:spcBef>
+                <a:spcPts val="500"/>
+              </a:spcBef>
+              <a:buFont typeface="Arial" panose="020B0604020202020204" pitchFamily="34" charset="0"/>
+              <a:buChar char="•"/>
+              <a:defRPr sz="1800" kern="1200">
+                <a:solidFill>
+                  <a:schemeClr val="tx1"/>
+                </a:solidFill>
+                <a:latin typeface="+mn-lt"/>
+                <a:ea typeface="+mn-ea"/>
+                <a:cs typeface="+mn-cs"/>
+              </a:defRPr>
+            </a:lvl8pPr>
+            <a:lvl9pPr marL="3886200" indent="-228600" algn="l" defTabSz="914400" rtl="0" eaLnBrk="1" latinLnBrk="0" hangingPunct="1">
+              <a:lnSpc>
+                <a:spcPct val="90000"/>
+              </a:lnSpc>
+              <a:spcBef>
+                <a:spcPts val="500"/>
+              </a:spcBef>
+              <a:buFont typeface="Arial" panose="020B0604020202020204" pitchFamily="34" charset="0"/>
+              <a:buChar char="•"/>
+              <a:defRPr sz="1800" kern="1200">
+                <a:solidFill>
+                  <a:schemeClr val="tx1"/>
+                </a:solidFill>
+                <a:latin typeface="+mn-lt"/>
+                <a:ea typeface="+mn-ea"/>
+                <a:cs typeface="+mn-cs"/>
+              </a:defRPr>
+            </a:lvl9pPr>
+          </a:lstStyle>
+          <a:p>
+            <a:pPr marL="0" indent="0">
+              <a:buFont typeface="Arial" panose="020B0604020202020204" pitchFamily="34" charset="0"/>
+              <a:buNone/>
+            </a:pPr>
+            <a:r>
+              <a:rPr lang="en-US" sz="2000" dirty="0"/>
+              <a:t>therefore</a:t>
+            </a:r>
+          </a:p>
+        </p:txBody>
+      </p:sp>
+      <p:sp>
+        <p:nvSpPr>
+          <p:cNvPr id="21" name="Content Placeholder 2">
+            <a:extLst>
+              <a:ext uri="{FF2B5EF4-FFF2-40B4-BE49-F238E27FC236}">
+                <a16:creationId xmlns:a16="http://schemas.microsoft.com/office/drawing/2014/main" id="{AD01DBD4-1071-48F5-BC82-A6BE77D9D52D}"/>
+              </a:ext>
+            </a:extLst>
+          </p:cNvPr>
+          <p:cNvSpPr txBox="1">
+            <a:spLocks/>
+          </p:cNvSpPr>
+          <p:nvPr/>
+        </p:nvSpPr>
+        <p:spPr>
+          <a:xfrm>
+            <a:off x="1947863" y="2096287"/>
+            <a:ext cx="4838700" cy="1046958"/>
           </a:xfrm>
           <a:prstGeom prst="rect">
             <a:avLst/>
@@ -7323,57 +8414,30 @@
           </a:lstStyle>
           <a:p>
             <a:pPr marL="0" indent="0">
+              <a:buFont typeface="Arial" panose="020B0604020202020204" pitchFamily="34" charset="0"/>
               <a:buNone/>
             </a:pPr>
             <a:r>
+              <a:rPr lang="en-US" sz="2000" dirty="0"/>
+              <a:t>Luggage has weight, carriages have capacity: so </a:t>
+            </a:r>
+            <a:r>
               <a:rPr lang="en-US" sz="2000" b="1" dirty="0"/>
-              <a:t>Subclass Date</a:t>
-            </a:r>
-          </a:p>
-          <a:p>
-            <a:pPr marL="0" indent="0">
-              <a:buFont typeface="Arial" panose="020B0604020202020204" pitchFamily="34" charset="0"/>
-              <a:buNone/>
-            </a:pPr>
+              <a:t>how do we distribute the weight throw the carriages in an efficient way</a:t>
+            </a:r>
             <a:r>
               <a:rPr lang="en-US" sz="2000" dirty="0"/>
-              <a:t>static std::vector&lt; int &gt; </a:t>
-            </a:r>
-            <a:r>
-              <a:rPr lang="en-US" sz="2000" dirty="0" err="1"/>
-              <a:t>getCurrentDate</a:t>
-            </a:r>
-            <a:r>
-              <a:rPr lang="en-US" sz="2000" dirty="0"/>
-              <a:t> ()</a:t>
-            </a:r>
-          </a:p>
-          <a:p>
-            <a:pPr marL="0" indent="0">
-              <a:buFont typeface="Arial" panose="020B0604020202020204" pitchFamily="34" charset="0"/>
-              <a:buNone/>
-            </a:pPr>
-            <a:r>
-              <a:rPr lang="en-US" sz="2000" dirty="0"/>
-              <a:t>static bool </a:t>
-            </a:r>
-            <a:r>
-              <a:rPr lang="en-US" sz="2000" dirty="0" err="1"/>
-              <a:t>isLeapYear</a:t>
-            </a:r>
-            <a:r>
-              <a:rPr lang="en-US" sz="2000" dirty="0"/>
-              <a:t> (int year)</a:t>
+              <a:t>?</a:t>
             </a:r>
           </a:p>
         </p:txBody>
       </p:sp>
       <p:sp>
         <p:nvSpPr>
-          <p:cNvPr id="10" name="Content Placeholder 2">
-            <a:extLst>
-              <a:ext uri="{FF2B5EF4-FFF2-40B4-BE49-F238E27FC236}">
-                <a16:creationId xmlns:a16="http://schemas.microsoft.com/office/drawing/2014/main" id="{381D6FC2-655D-4F51-B37C-7F7EFFFE77E2}"/>
+          <p:cNvPr id="22" name="Content Placeholder 2">
+            <a:extLst>
+              <a:ext uri="{FF2B5EF4-FFF2-40B4-BE49-F238E27FC236}">
+                <a16:creationId xmlns:a16="http://schemas.microsoft.com/office/drawing/2014/main" id="{3986F45F-0C3F-4312-88F4-9FA3F774D648}"/>
               </a:ext>
             </a:extLst>
           </p:cNvPr>
@@ -7384,8 +8448,8 @@
         </p:nvSpPr>
         <p:spPr>
           <a:xfrm>
-            <a:off x="516960" y="4842666"/>
-            <a:ext cx="10679678" cy="1886747"/>
+            <a:off x="9086850" y="1965715"/>
+            <a:ext cx="1157287" cy="450058"/>
           </a:xfrm>
           <a:prstGeom prst="rect">
             <a:avLst/>
@@ -7565,66 +8629,277 @@
               <a:buNone/>
             </a:pPr>
             <a:r>
+              <a:rPr lang="en-US" sz="2000" b="1" dirty="0">
+                <a:solidFill>
+                  <a:srgbClr val="993300"/>
+                </a:solidFill>
+              </a:rPr>
+              <a:t>Solution</a:t>
+            </a:r>
+            <a:endParaRPr lang="en-US" sz="2000" dirty="0">
+              <a:solidFill>
+                <a:srgbClr val="993300"/>
+              </a:solidFill>
+            </a:endParaRPr>
+          </a:p>
+        </p:txBody>
+      </p:sp>
+      <p:sp>
+        <p:nvSpPr>
+          <p:cNvPr id="23" name="Content Placeholder 2">
+            <a:extLst>
+              <a:ext uri="{FF2B5EF4-FFF2-40B4-BE49-F238E27FC236}">
+                <a16:creationId xmlns:a16="http://schemas.microsoft.com/office/drawing/2014/main" id="{34B6A359-4027-4598-9713-F1E1C00F2828}"/>
+              </a:ext>
+            </a:extLst>
+          </p:cNvPr>
+          <p:cNvSpPr txBox="1">
+            <a:spLocks/>
+          </p:cNvSpPr>
+          <p:nvPr/>
+        </p:nvSpPr>
+        <p:spPr>
+          <a:xfrm>
+            <a:off x="7249714" y="2362194"/>
+            <a:ext cx="4689873" cy="4300537"/>
+          </a:xfrm>
+          <a:prstGeom prst="rect">
+            <a:avLst/>
+          </a:prstGeom>
+        </p:spPr>
+        <p:txBody>
+          <a:bodyPr vert="horz" lIns="91440" tIns="45720" rIns="91440" bIns="45720" rtlCol="0">
+            <a:normAutofit/>
+          </a:bodyPr>
+          <a:lstStyle>
+            <a:lvl1pPr marL="228600" indent="-228600" algn="l" defTabSz="914400" rtl="0" eaLnBrk="1" latinLnBrk="0" hangingPunct="1">
+              <a:lnSpc>
+                <a:spcPct val="90000"/>
+              </a:lnSpc>
+              <a:spcBef>
+                <a:spcPts val="1000"/>
+              </a:spcBef>
+              <a:buFont typeface="Arial" panose="020B0604020202020204" pitchFamily="34" charset="0"/>
+              <a:buChar char="•"/>
+              <a:defRPr sz="2800" kern="1200">
+                <a:solidFill>
+                  <a:schemeClr val="tx1"/>
+                </a:solidFill>
+                <a:latin typeface="+mn-lt"/>
+                <a:ea typeface="+mn-ea"/>
+                <a:cs typeface="+mn-cs"/>
+              </a:defRPr>
+            </a:lvl1pPr>
+            <a:lvl2pPr marL="685800" indent="-228600" algn="l" defTabSz="914400" rtl="0" eaLnBrk="1" latinLnBrk="0" hangingPunct="1">
+              <a:lnSpc>
+                <a:spcPct val="90000"/>
+              </a:lnSpc>
+              <a:spcBef>
+                <a:spcPts val="500"/>
+              </a:spcBef>
+              <a:buFont typeface="Arial" panose="020B0604020202020204" pitchFamily="34" charset="0"/>
+              <a:buChar char="•"/>
+              <a:defRPr sz="2400" kern="1200">
+                <a:solidFill>
+                  <a:schemeClr val="tx1"/>
+                </a:solidFill>
+                <a:latin typeface="+mn-lt"/>
+                <a:ea typeface="+mn-ea"/>
+                <a:cs typeface="+mn-cs"/>
+              </a:defRPr>
+            </a:lvl2pPr>
+            <a:lvl3pPr marL="1143000" indent="-228600" algn="l" defTabSz="914400" rtl="0" eaLnBrk="1" latinLnBrk="0" hangingPunct="1">
+              <a:lnSpc>
+                <a:spcPct val="90000"/>
+              </a:lnSpc>
+              <a:spcBef>
+                <a:spcPts val="500"/>
+              </a:spcBef>
+              <a:buFont typeface="Arial" panose="020B0604020202020204" pitchFamily="34" charset="0"/>
+              <a:buChar char="•"/>
+              <a:defRPr sz="2000" kern="1200">
+                <a:solidFill>
+                  <a:schemeClr val="tx1"/>
+                </a:solidFill>
+                <a:latin typeface="+mn-lt"/>
+                <a:ea typeface="+mn-ea"/>
+                <a:cs typeface="+mn-cs"/>
+              </a:defRPr>
+            </a:lvl3pPr>
+            <a:lvl4pPr marL="1600200" indent="-228600" algn="l" defTabSz="914400" rtl="0" eaLnBrk="1" latinLnBrk="0" hangingPunct="1">
+              <a:lnSpc>
+                <a:spcPct val="90000"/>
+              </a:lnSpc>
+              <a:spcBef>
+                <a:spcPts val="500"/>
+              </a:spcBef>
+              <a:buFont typeface="Arial" panose="020B0604020202020204" pitchFamily="34" charset="0"/>
+              <a:buChar char="•"/>
+              <a:defRPr sz="1800" kern="1200">
+                <a:solidFill>
+                  <a:schemeClr val="tx1"/>
+                </a:solidFill>
+                <a:latin typeface="+mn-lt"/>
+                <a:ea typeface="+mn-ea"/>
+                <a:cs typeface="+mn-cs"/>
+              </a:defRPr>
+            </a:lvl4pPr>
+            <a:lvl5pPr marL="2057400" indent="-228600" algn="l" defTabSz="914400" rtl="0" eaLnBrk="1" latinLnBrk="0" hangingPunct="1">
+              <a:lnSpc>
+                <a:spcPct val="90000"/>
+              </a:lnSpc>
+              <a:spcBef>
+                <a:spcPts val="500"/>
+              </a:spcBef>
+              <a:buFont typeface="Arial" panose="020B0604020202020204" pitchFamily="34" charset="0"/>
+              <a:buChar char="•"/>
+              <a:defRPr sz="1800" kern="1200">
+                <a:solidFill>
+                  <a:schemeClr val="tx1"/>
+                </a:solidFill>
+                <a:latin typeface="+mn-lt"/>
+                <a:ea typeface="+mn-ea"/>
+                <a:cs typeface="+mn-cs"/>
+              </a:defRPr>
+            </a:lvl5pPr>
+            <a:lvl6pPr marL="2514600" indent="-228600" algn="l" defTabSz="914400" rtl="0" eaLnBrk="1" latinLnBrk="0" hangingPunct="1">
+              <a:lnSpc>
+                <a:spcPct val="90000"/>
+              </a:lnSpc>
+              <a:spcBef>
+                <a:spcPts val="500"/>
+              </a:spcBef>
+              <a:buFont typeface="Arial" panose="020B0604020202020204" pitchFamily="34" charset="0"/>
+              <a:buChar char="•"/>
+              <a:defRPr sz="1800" kern="1200">
+                <a:solidFill>
+                  <a:schemeClr val="tx1"/>
+                </a:solidFill>
+                <a:latin typeface="+mn-lt"/>
+                <a:ea typeface="+mn-ea"/>
+                <a:cs typeface="+mn-cs"/>
+              </a:defRPr>
+            </a:lvl6pPr>
+            <a:lvl7pPr marL="2971800" indent="-228600" algn="l" defTabSz="914400" rtl="0" eaLnBrk="1" latinLnBrk="0" hangingPunct="1">
+              <a:lnSpc>
+                <a:spcPct val="90000"/>
+              </a:lnSpc>
+              <a:spcBef>
+                <a:spcPts val="500"/>
+              </a:spcBef>
+              <a:buFont typeface="Arial" panose="020B0604020202020204" pitchFamily="34" charset="0"/>
+              <a:buChar char="•"/>
+              <a:defRPr sz="1800" kern="1200">
+                <a:solidFill>
+                  <a:schemeClr val="tx1"/>
+                </a:solidFill>
+                <a:latin typeface="+mn-lt"/>
+                <a:ea typeface="+mn-ea"/>
+                <a:cs typeface="+mn-cs"/>
+              </a:defRPr>
+            </a:lvl7pPr>
+            <a:lvl8pPr marL="3429000" indent="-228600" algn="l" defTabSz="914400" rtl="0" eaLnBrk="1" latinLnBrk="0" hangingPunct="1">
+              <a:lnSpc>
+                <a:spcPct val="90000"/>
+              </a:lnSpc>
+              <a:spcBef>
+                <a:spcPts val="500"/>
+              </a:spcBef>
+              <a:buFont typeface="Arial" panose="020B0604020202020204" pitchFamily="34" charset="0"/>
+              <a:buChar char="•"/>
+              <a:defRPr sz="1800" kern="1200">
+                <a:solidFill>
+                  <a:schemeClr val="tx1"/>
+                </a:solidFill>
+                <a:latin typeface="+mn-lt"/>
+                <a:ea typeface="+mn-ea"/>
+                <a:cs typeface="+mn-cs"/>
+              </a:defRPr>
+            </a:lvl8pPr>
+            <a:lvl9pPr marL="3886200" indent="-228600" algn="l" defTabSz="914400" rtl="0" eaLnBrk="1" latinLnBrk="0" hangingPunct="1">
+              <a:lnSpc>
+                <a:spcPct val="90000"/>
+              </a:lnSpc>
+              <a:spcBef>
+                <a:spcPts val="500"/>
+              </a:spcBef>
+              <a:buFont typeface="Arial" panose="020B0604020202020204" pitchFamily="34" charset="0"/>
+              <a:buChar char="•"/>
+              <a:defRPr sz="1800" kern="1200">
+                <a:solidFill>
+                  <a:schemeClr val="tx1"/>
+                </a:solidFill>
+                <a:latin typeface="+mn-lt"/>
+                <a:ea typeface="+mn-ea"/>
+                <a:cs typeface="+mn-cs"/>
+              </a:defRPr>
+            </a:lvl9pPr>
+          </a:lstStyle>
+          <a:p>
+            <a:pPr marL="0" indent="0">
+              <a:buFont typeface="Arial" panose="020B0604020202020204" pitchFamily="34" charset="0"/>
+              <a:buNone/>
+            </a:pPr>
+            <a:r>
+              <a:rPr lang="en-US" sz="2000" dirty="0"/>
+              <a:t>Inputs: luggage list, carriage list, max carriage number</a:t>
+            </a:r>
+          </a:p>
+          <a:p>
+            <a:pPr marL="0" indent="0">
+              <a:buFont typeface="Arial" panose="020B0604020202020204" pitchFamily="34" charset="0"/>
+              <a:buNone/>
+            </a:pPr>
+            <a:r>
+              <a:rPr lang="en-US" sz="2000" dirty="0"/>
+              <a:t>Every possible layout of luggage is analyzed iteratively and the one with the most efficient carriage capacity use is chosen and added to the car</a:t>
+            </a:r>
+          </a:p>
+          <a:p>
+            <a:pPr marL="0" indent="0">
+              <a:buFont typeface="Arial" panose="020B0604020202020204" pitchFamily="34" charset="0"/>
+              <a:buNone/>
+            </a:pPr>
+            <a:r>
+              <a:rPr lang="en-US" sz="2000" dirty="0" err="1"/>
+              <a:t>Lugagge</a:t>
+            </a:r>
+            <a:r>
+              <a:rPr lang="en-US" sz="2000" dirty="0"/>
+              <a:t> and carriage is removed and iteration is repeated until the car is built</a:t>
+            </a:r>
+          </a:p>
+          <a:p>
+            <a:pPr marL="0" indent="0">
+              <a:buFont typeface="Arial" panose="020B0604020202020204" pitchFamily="34" charset="0"/>
+              <a:buNone/>
+            </a:pPr>
+            <a:r>
+              <a:rPr lang="en-US" sz="2000" dirty="0"/>
+              <a:t>If it is impossible to solve the problem (for example: not enough carriages), an empty car is returned</a:t>
+            </a:r>
+          </a:p>
+          <a:p>
+            <a:pPr marL="0" indent="0">
+              <a:buFont typeface="Arial" panose="020B0604020202020204" pitchFamily="34" charset="0"/>
+              <a:buNone/>
+            </a:pPr>
+            <a:r>
+              <a:rPr lang="en-US" sz="2000" dirty="0"/>
+              <a:t>The algorithm has one drawback: </a:t>
+            </a:r>
+            <a:r>
               <a:rPr lang="en-US" sz="2000" b="1" dirty="0"/>
-              <a:t>Create </a:t>
-            </a:r>
-            <a:r>
-              <a:rPr lang="en-US" sz="2000" dirty="0"/>
-              <a:t>Implemented- you can create new objects</a:t>
-            </a:r>
-            <a:endParaRPr lang="en-US" sz="2000" b="1" dirty="0"/>
-          </a:p>
-          <a:p>
-            <a:pPr marL="0" indent="0">
-              <a:buFont typeface="Arial" panose="020B0604020202020204" pitchFamily="34" charset="0"/>
-              <a:buNone/>
-            </a:pPr>
-            <a:r>
-              <a:rPr lang="en-US" sz="2000" b="1" dirty="0"/>
-              <a:t>Read </a:t>
-            </a:r>
-            <a:r>
-              <a:rPr lang="en-US" sz="2000" dirty="0"/>
-              <a:t>Implemented- in the get methods</a:t>
-            </a:r>
-            <a:endParaRPr lang="en-US" sz="2000" b="1" dirty="0"/>
-          </a:p>
-          <a:p>
-            <a:pPr marL="0" indent="0">
-              <a:buFont typeface="Arial" panose="020B0604020202020204" pitchFamily="34" charset="0"/>
-              <a:buNone/>
-            </a:pPr>
-            <a:r>
-              <a:rPr lang="en-US" sz="2000" b="1" dirty="0"/>
-              <a:t>Update </a:t>
-            </a:r>
-            <a:r>
-              <a:rPr lang="en-US" sz="2000" dirty="0"/>
-              <a:t>Not implemented- variables are const</a:t>
-            </a:r>
-            <a:endParaRPr lang="en-US" sz="2000" b="1" dirty="0"/>
-          </a:p>
-          <a:p>
-            <a:pPr marL="0" indent="0">
-              <a:buFont typeface="Arial" panose="020B0604020202020204" pitchFamily="34" charset="0"/>
-              <a:buNone/>
-            </a:pPr>
-            <a:r>
-              <a:rPr lang="en-US" sz="2000" b="1" dirty="0"/>
-              <a:t>Delete </a:t>
-            </a:r>
-            <a:r>
-              <a:rPr lang="en-US" sz="2000" dirty="0"/>
-              <a:t>Default Destructor- no reason to specify our own</a:t>
-            </a:r>
-            <a:endParaRPr lang="en-US" sz="1400" dirty="0"/>
+              <a:t>there is a situation where it can’t find a solution</a:t>
+            </a:r>
+            <a:endParaRPr lang="en-US" sz="2000" dirty="0"/>
           </a:p>
         </p:txBody>
       </p:sp>
     </p:spTree>
     <p:extLst>
       <p:ext uri="{BB962C8B-B14F-4D97-AF65-F5344CB8AC3E}">
-        <p14:creationId xmlns:p14="http://schemas.microsoft.com/office/powerpoint/2010/main" val="3792130228"/>
+        <p14:creationId xmlns:p14="http://schemas.microsoft.com/office/powerpoint/2010/main" val="3453836288"/>
       </p:ext>
     </p:extLst>
   </p:cSld>
@@ -7696,10 +8971,9 @@
               <a:t>Difficulties: </a:t>
             </a:r>
             <a:r>
-              <a:rPr lang="en-US" sz="2000" dirty="0" err="1"/>
-              <a:t>eeeee</a:t>
-            </a:r>
-            <a:endParaRPr lang="en-US" sz="2000" dirty="0"/>
+              <a:rPr lang="en-US" sz="2000" dirty="0"/>
+              <a:t>Adequate container’s choice (specially in fun luggage problem)</a:t>
+            </a:r>
           </a:p>
           <a:p>
             <a:pPr marL="0" indent="0">
@@ -7710,8 +8984,8 @@
               <a:t>Solution: </a:t>
             </a:r>
             <a:r>
-              <a:rPr lang="en-US" sz="2000" dirty="0" err="1"/>
-              <a:t>eee</a:t>
+              <a:rPr lang="en-US" sz="2000" dirty="0"/>
+              <a:t>Test different containers for their efficiency</a:t>
             </a:r>
             <a:endParaRPr lang="en-US" sz="2000" b="1" dirty="0"/>
           </a:p>
@@ -7802,192 +9076,6 @@
           <a:p>
             <a:r>
               <a:rPr lang="en-US" b="1" dirty="0"/>
-              <a:t>Fun Luggage Problem</a:t>
-            </a:r>
-          </a:p>
-        </p:txBody>
-      </p:sp>
-    </p:spTree>
-    <p:extLst>
-      <p:ext uri="{BB962C8B-B14F-4D97-AF65-F5344CB8AC3E}">
-        <p14:creationId xmlns:p14="http://schemas.microsoft.com/office/powerpoint/2010/main" val="3453836288"/>
-      </p:ext>
-    </p:extLst>
-  </p:cSld>
-  <p:clrMapOvr>
-    <a:masterClrMapping/>
-  </p:clrMapOvr>
-</p:sld>
-</file>
-
-<file path=ppt/slides/slide9.xml><?xml version="1.0" encoding="utf-8"?>
-<p:sld xmlns:a="http://schemas.openxmlformats.org/drawingml/2006/main" xmlns:r="http://schemas.openxmlformats.org/officeDocument/2006/relationships" xmlns:p="http://schemas.openxmlformats.org/presentationml/2006/main">
-  <p:cSld>
-    <p:spTree>
-      <p:nvGrpSpPr>
-        <p:cNvPr id="1" name=""/>
-        <p:cNvGrpSpPr/>
-        <p:nvPr/>
-      </p:nvGrpSpPr>
-      <p:grpSpPr>
-        <a:xfrm>
-          <a:off x="0" y="0"/>
-          <a:ext cx="0" cy="0"/>
-          <a:chOff x="0" y="0"/>
-          <a:chExt cx="0" cy="0"/>
-        </a:xfrm>
-      </p:grpSpPr>
-      <p:sp>
-        <p:nvSpPr>
-          <p:cNvPr id="3" name="Content Placeholder 2">
-            <a:extLst>
-              <a:ext uri="{FF2B5EF4-FFF2-40B4-BE49-F238E27FC236}">
-                <a16:creationId xmlns:a16="http://schemas.microsoft.com/office/drawing/2014/main" id="{85F8C973-E34A-4BB1-B4F7-B731E0A66CEF}"/>
-              </a:ext>
-            </a:extLst>
-          </p:cNvPr>
-          <p:cNvSpPr>
-            <a:spLocks noGrp="1"/>
-          </p:cNvSpPr>
-          <p:nvPr>
-            <p:ph idx="1"/>
-          </p:nvPr>
-        </p:nvSpPr>
-        <p:spPr>
-          <a:xfrm>
-            <a:off x="704850" y="1835150"/>
-            <a:ext cx="11184009" cy="1544637"/>
-          </a:xfrm>
-        </p:spPr>
-        <p:txBody>
-          <a:bodyPr>
-            <a:normAutofit/>
-          </a:bodyPr>
-          <a:lstStyle/>
-          <a:p>
-            <a:pPr marL="0" indent="0">
-              <a:buNone/>
-            </a:pPr>
-            <a:r>
-              <a:rPr lang="en-US" sz="2000" b="1" dirty="0"/>
-              <a:t>Gonçalo</a:t>
-            </a:r>
-          </a:p>
-          <a:p>
-            <a:pPr marL="0" indent="0">
-              <a:buNone/>
-            </a:pPr>
-            <a:r>
-              <a:rPr lang="en-US" sz="2000" b="1" dirty="0"/>
-              <a:t>Difficulties: </a:t>
-            </a:r>
-            <a:r>
-              <a:rPr lang="en-US" sz="2000" dirty="0" err="1"/>
-              <a:t>eeeee</a:t>
-            </a:r>
-            <a:endParaRPr lang="en-US" sz="2000" dirty="0"/>
-          </a:p>
-          <a:p>
-            <a:pPr marL="0" indent="0">
-              <a:buNone/>
-            </a:pPr>
-            <a:r>
-              <a:rPr lang="en-US" sz="2000" b="1" dirty="0"/>
-              <a:t>Solution: </a:t>
-            </a:r>
-            <a:r>
-              <a:rPr lang="en-US" sz="2000" dirty="0" err="1"/>
-              <a:t>eee</a:t>
-            </a:r>
-            <a:endParaRPr lang="en-US" sz="2000" b="1" dirty="0"/>
-          </a:p>
-        </p:txBody>
-      </p:sp>
-      <p:pic>
-        <p:nvPicPr>
-          <p:cNvPr id="5" name="Picture 4" descr="A picture containing text, clipart&#10;&#10;Description automatically generated">
-            <a:extLst>
-              <a:ext uri="{FF2B5EF4-FFF2-40B4-BE49-F238E27FC236}">
-                <a16:creationId xmlns:a16="http://schemas.microsoft.com/office/drawing/2014/main" id="{AEEF4F80-6182-437F-8FB9-E546318E1786}"/>
-              </a:ext>
-            </a:extLst>
-          </p:cNvPr>
-          <p:cNvPicPr>
-            <a:picLocks noChangeAspect="1"/>
-          </p:cNvPicPr>
-          <p:nvPr/>
-        </p:nvPicPr>
-        <p:blipFill>
-          <a:blip r:embed="rId2">
-            <a:extLst>
-              <a:ext uri="{28A0092B-C50C-407E-A947-70E740481C1C}">
-                <a14:useLocalDpi xmlns:a14="http://schemas.microsoft.com/office/drawing/2010/main" val="0"/>
-              </a:ext>
-            </a:extLst>
-          </a:blip>
-          <a:stretch>
-            <a:fillRect/>
-          </a:stretch>
-        </p:blipFill>
-        <p:spPr>
-          <a:xfrm>
-            <a:off x="8248817" y="327168"/>
-            <a:ext cx="3640043" cy="1401476"/>
-          </a:xfrm>
-          <a:prstGeom prst="rect">
-            <a:avLst/>
-          </a:prstGeom>
-        </p:spPr>
-      </p:pic>
-      <p:sp>
-        <p:nvSpPr>
-          <p:cNvPr id="6" name="Title 1">
-            <a:extLst>
-              <a:ext uri="{FF2B5EF4-FFF2-40B4-BE49-F238E27FC236}">
-                <a16:creationId xmlns:a16="http://schemas.microsoft.com/office/drawing/2014/main" id="{67EAB101-CB65-4E80-9086-38AF17265C5D}"/>
-              </a:ext>
-            </a:extLst>
-          </p:cNvPr>
-          <p:cNvSpPr txBox="1">
-            <a:spLocks/>
-          </p:cNvSpPr>
-          <p:nvPr/>
-        </p:nvSpPr>
-        <p:spPr>
-          <a:xfrm>
-            <a:off x="704851" y="570706"/>
-            <a:ext cx="7219949" cy="914399"/>
-          </a:xfrm>
-          <a:prstGeom prst="rect">
-            <a:avLst/>
-          </a:prstGeom>
-        </p:spPr>
-        <p:txBody>
-          <a:bodyPr vert="horz" lIns="91440" tIns="45720" rIns="91440" bIns="45720" rtlCol="0" anchor="ctr">
-            <a:normAutofit/>
-          </a:bodyPr>
-          <a:lstStyle>
-            <a:lvl1pPr algn="l" defTabSz="914400" rtl="0" eaLnBrk="1" latinLnBrk="0" hangingPunct="1">
-              <a:lnSpc>
-                <a:spcPct val="90000"/>
-              </a:lnSpc>
-              <a:spcBef>
-                <a:spcPct val="0"/>
-              </a:spcBef>
-              <a:buNone/>
-              <a:defRPr sz="4400" kern="1200">
-                <a:solidFill>
-                  <a:schemeClr val="tx1"/>
-                </a:solidFill>
-                <a:latin typeface="+mj-lt"/>
-                <a:ea typeface="+mj-ea"/>
-                <a:cs typeface="+mj-cs"/>
-              </a:defRPr>
-            </a:lvl1pPr>
-          </a:lstStyle>
-          <a:p>
-            <a:r>
-              <a:rPr lang="en-US" b="1" dirty="0"/>
               <a:t>Main difficulties</a:t>
             </a:r>
           </a:p>
@@ -8436,10 +9524,9 @@
               <a:t>Difficulties: </a:t>
             </a:r>
             <a:r>
-              <a:rPr lang="en-US" sz="2000" dirty="0" err="1"/>
-              <a:t>eeeee</a:t>
-            </a:r>
-            <a:endParaRPr lang="en-US" sz="2000" dirty="0"/>
+              <a:rPr lang="en-US" sz="2000" dirty="0"/>
+              <a:t>Exception handling in tests</a:t>
+            </a:r>
           </a:p>
           <a:p>
             <a:pPr marL="0" indent="0">
@@ -8451,10 +9538,142 @@
               <a:t>Solution: </a:t>
             </a:r>
             <a:r>
-              <a:rPr lang="en-US" sz="2000" dirty="0" err="1"/>
-              <a:t>eeee</a:t>
+              <a:rPr lang="en-US" sz="2000" dirty="0"/>
+              <a:t>Expected equal of error message</a:t>
             </a:r>
             <a:endParaRPr lang="en-US" sz="2000" b="1" dirty="0"/>
+          </a:p>
+        </p:txBody>
+      </p:sp>
+      <p:sp>
+        <p:nvSpPr>
+          <p:cNvPr id="9" name="TextBox 8">
+            <a:extLst>
+              <a:ext uri="{FF2B5EF4-FFF2-40B4-BE49-F238E27FC236}">
+                <a16:creationId xmlns:a16="http://schemas.microsoft.com/office/drawing/2014/main" id="{DA109AE7-535F-41B3-B2F8-1628096C986E}"/>
+              </a:ext>
+            </a:extLst>
+          </p:cNvPr>
+          <p:cNvSpPr txBox="1"/>
+          <p:nvPr/>
+        </p:nvSpPr>
+        <p:spPr>
+          <a:xfrm>
+            <a:off x="10734675" y="2143779"/>
+            <a:ext cx="947738" cy="523220"/>
+          </a:xfrm>
+          <a:prstGeom prst="rect">
+            <a:avLst/>
+          </a:prstGeom>
+          <a:noFill/>
+        </p:spPr>
+        <p:txBody>
+          <a:bodyPr wrap="square">
+            <a:spAutoFit/>
+          </a:bodyPr>
+          <a:lstStyle/>
+          <a:p>
+            <a:r>
+              <a:rPr lang="en-US" sz="2800" b="1" dirty="0">
+                <a:solidFill>
+                  <a:srgbClr val="993300"/>
+                </a:solidFill>
+              </a:rPr>
+              <a:t>33%</a:t>
+            </a:r>
+            <a:endParaRPr lang="en-US" sz="2800" dirty="0">
+              <a:solidFill>
+                <a:srgbClr val="993300"/>
+              </a:solidFill>
+            </a:endParaRPr>
+          </a:p>
+        </p:txBody>
+      </p:sp>
+      <p:sp>
+        <p:nvSpPr>
+          <p:cNvPr id="10" name="TextBox 9">
+            <a:extLst>
+              <a:ext uri="{FF2B5EF4-FFF2-40B4-BE49-F238E27FC236}">
+                <a16:creationId xmlns:a16="http://schemas.microsoft.com/office/drawing/2014/main" id="{B8BC0A5A-E9E0-4792-A04C-279C9FF8733F}"/>
+              </a:ext>
+            </a:extLst>
+          </p:cNvPr>
+          <p:cNvSpPr txBox="1"/>
+          <p:nvPr/>
+        </p:nvSpPr>
+        <p:spPr>
+          <a:xfrm>
+            <a:off x="10734675" y="3739214"/>
+            <a:ext cx="947738" cy="523220"/>
+          </a:xfrm>
+          <a:prstGeom prst="rect">
+            <a:avLst/>
+          </a:prstGeom>
+          <a:noFill/>
+        </p:spPr>
+        <p:txBody>
+          <a:bodyPr wrap="square">
+            <a:spAutoFit/>
+          </a:bodyPr>
+          <a:lstStyle/>
+          <a:p>
+            <a:r>
+              <a:rPr lang="en-US" sz="2800" b="1" dirty="0">
+                <a:solidFill>
+                  <a:srgbClr val="993300"/>
+                </a:solidFill>
+              </a:rPr>
+              <a:t>33%</a:t>
+            </a:r>
+            <a:endParaRPr lang="en-US" sz="2800" dirty="0">
+              <a:solidFill>
+                <a:srgbClr val="993300"/>
+              </a:solidFill>
+            </a:endParaRPr>
+          </a:p>
+        </p:txBody>
+      </p:sp>
+      <p:sp>
+        <p:nvSpPr>
+          <p:cNvPr id="11" name="TextBox 10">
+            <a:extLst>
+              <a:ext uri="{FF2B5EF4-FFF2-40B4-BE49-F238E27FC236}">
+                <a16:creationId xmlns:a16="http://schemas.microsoft.com/office/drawing/2014/main" id="{022C3A47-AB11-450B-88E6-658C9036CEBC}"/>
+              </a:ext>
+            </a:extLst>
+          </p:cNvPr>
+          <p:cNvSpPr txBox="1"/>
+          <p:nvPr/>
+        </p:nvSpPr>
+        <p:spPr>
+          <a:xfrm>
+            <a:off x="10729909" y="5534678"/>
+            <a:ext cx="947738" cy="523220"/>
+          </a:xfrm>
+          <a:prstGeom prst="rect">
+            <a:avLst/>
+          </a:prstGeom>
+          <a:noFill/>
+        </p:spPr>
+        <p:txBody>
+          <a:bodyPr wrap="square">
+            <a:spAutoFit/>
+          </a:bodyPr>
+          <a:lstStyle/>
+          <a:p>
+            <a:r>
+              <a:rPr lang="en-US" sz="2800" b="1" dirty="0">
+                <a:solidFill>
+                  <a:srgbClr val="993300"/>
+                </a:solidFill>
+              </a:rPr>
+              <a:t>33%</a:t>
+            </a:r>
+            <a:endParaRPr lang="en-US" sz="2800" dirty="0">
+              <a:solidFill>
+                <a:srgbClr val="993300"/>
+              </a:solidFill>
+            </a:endParaRPr>
           </a:p>
         </p:txBody>
       </p:sp>
@@ -8767,21 +9986,6 @@
 </file>
 
 <file path=customXml/item1.xml><?xml version="1.0" encoding="utf-8"?>
-<p:properties xmlns:p="http://schemas.microsoft.com/office/2006/metadata/properties" xmlns:xsi="http://www.w3.org/2001/XMLSchema-instance" xmlns:pc="http://schemas.microsoft.com/office/infopath/2007/PartnerControls">
-  <documentManagement/>
-</p:properties>
-</file>
-
-<file path=customXml/item2.xml><?xml version="1.0" encoding="utf-8"?>
-<?mso-contentType ?>
-<FormTemplates xmlns="http://schemas.microsoft.com/sharepoint/v3/contenttype/forms">
-  <Display>DocumentLibraryForm</Display>
-  <Edit>DocumentLibraryForm</Edit>
-  <New>DocumentLibraryForm</New>
-</FormTemplates>
-</file>
-
-<file path=customXml/item3.xml><?xml version="1.0" encoding="utf-8"?>
 <ct:contentTypeSchema xmlns:ct="http://schemas.microsoft.com/office/2006/metadata/contentType" xmlns:ma="http://schemas.microsoft.com/office/2006/metadata/properties/metaAttributes" ct:_="" ma:_="" ma:contentTypeName="Documento" ma:contentTypeID="0x01010014BC32AFF3718747B5A2CE47A88F3C6A" ma:contentTypeVersion="2" ma:contentTypeDescription="Criar um novo documento." ma:contentTypeScope="" ma:versionID="fee3d826901bcb9451dce0bbc19dadc3">
   <xsd:schema xmlns:xsd="http://www.w3.org/2001/XMLSchema" xmlns:xs="http://www.w3.org/2001/XMLSchema" xmlns:p="http://schemas.microsoft.com/office/2006/metadata/properties" xmlns:ns3="a47fcd35-67e3-4b66-9352-8d0db098ec50" targetNamespace="http://schemas.microsoft.com/office/2006/metadata/properties" ma:root="true" ma:fieldsID="deb6b73c7f47f6e6612a6af669b62c39" ns3:_="">
     <xsd:import namespace="a47fcd35-67e3-4b66-9352-8d0db098ec50"/>
@@ -8913,31 +10117,22 @@
 </ct:contentTypeSchema>
 </file>
 
-<file path=customXml/itemProps1.xml><?xml version="1.0" encoding="utf-8"?>
-<ds:datastoreItem xmlns:ds="http://schemas.openxmlformats.org/officeDocument/2006/customXml" ds:itemID="{05E380B0-3793-4519-A034-114F335A5299}">
-  <ds:schemaRefs>
-    <ds:schemaRef ds:uri="http://purl.org/dc/dcmitype/"/>
-    <ds:schemaRef ds:uri="http://purl.org/dc/terms/"/>
-    <ds:schemaRef ds:uri="http://schemas.microsoft.com/office/2006/metadata/properties"/>
-    <ds:schemaRef ds:uri="http://schemas.microsoft.com/office/2006/documentManagement/types"/>
-    <ds:schemaRef ds:uri="a47fcd35-67e3-4b66-9352-8d0db098ec50"/>
-    <ds:schemaRef ds:uri="http://schemas.openxmlformats.org/package/2006/metadata/core-properties"/>
-    <ds:schemaRef ds:uri="http://purl.org/dc/elements/1.1/"/>
-    <ds:schemaRef ds:uri="http://schemas.microsoft.com/office/infopath/2007/PartnerControls"/>
-    <ds:schemaRef ds:uri="http://www.w3.org/XML/1998/namespace"/>
-  </ds:schemaRefs>
-</ds:datastoreItem>
+<file path=customXml/item2.xml><?xml version="1.0" encoding="utf-8"?>
+<?mso-contentType ?>
+<FormTemplates xmlns="http://schemas.microsoft.com/sharepoint/v3/contenttype/forms">
+  <Display>DocumentLibraryForm</Display>
+  <Edit>DocumentLibraryForm</Edit>
+  <New>DocumentLibraryForm</New>
+</FormTemplates>
 </file>
 
-<file path=customXml/itemProps2.xml><?xml version="1.0" encoding="utf-8"?>
-<ds:datastoreItem xmlns:ds="http://schemas.openxmlformats.org/officeDocument/2006/customXml" ds:itemID="{76EE102A-C587-47D4-980D-6EF803504572}">
-  <ds:schemaRefs>
-    <ds:schemaRef ds:uri="http://schemas.microsoft.com/sharepoint/v3/contenttype/forms"/>
-  </ds:schemaRefs>
-</ds:datastoreItem>
+<file path=customXml/item3.xml><?xml version="1.0" encoding="utf-8"?>
+<p:properties xmlns:p="http://schemas.microsoft.com/office/2006/metadata/properties" xmlns:xsi="http://www.w3.org/2001/XMLSchema-instance" xmlns:pc="http://schemas.microsoft.com/office/infopath/2007/PartnerControls">
+  <documentManagement/>
+</p:properties>
 </file>
 
-<file path=customXml/itemProps3.xml><?xml version="1.0" encoding="utf-8"?>
+<file path=customXml/itemProps1.xml><?xml version="1.0" encoding="utf-8"?>
 <ds:datastoreItem xmlns:ds="http://schemas.openxmlformats.org/officeDocument/2006/customXml" ds:itemID="{9697E427-2E56-4B40-B661-233DAE44C32F}">
   <ds:schemaRefs>
     <ds:schemaRef ds:uri="http://schemas.microsoft.com/office/2006/metadata/contentType"/>
@@ -8953,4 +10148,28 @@
     <ds:schemaRef ds:uri="http://schemas.microsoft.com/internal/obd"/>
   </ds:schemaRefs>
 </ds:datastoreItem>
+</file>
+
+<file path=customXml/itemProps2.xml><?xml version="1.0" encoding="utf-8"?>
+<ds:datastoreItem xmlns:ds="http://schemas.openxmlformats.org/officeDocument/2006/customXml" ds:itemID="{76EE102A-C587-47D4-980D-6EF803504572}">
+  <ds:schemaRefs>
+    <ds:schemaRef ds:uri="http://schemas.microsoft.com/sharepoint/v3/contenttype/forms"/>
+  </ds:schemaRefs>
+</ds:datastoreItem>
+</file>
+
+<file path=customXml/itemProps3.xml><?xml version="1.0" encoding="utf-8"?>
+<ds:datastoreItem xmlns:ds="http://schemas.openxmlformats.org/officeDocument/2006/customXml" ds:itemID="{05E380B0-3793-4519-A034-114F335A5299}">
+  <ds:schemaRefs>
+    <ds:schemaRef ds:uri="http://purl.org/dc/dcmitype/"/>
+    <ds:schemaRef ds:uri="http://purl.org/dc/terms/"/>
+    <ds:schemaRef ds:uri="http://schemas.microsoft.com/office/2006/metadata/properties"/>
+    <ds:schemaRef ds:uri="http://schemas.microsoft.com/office/2006/documentManagement/types"/>
+    <ds:schemaRef ds:uri="a47fcd35-67e3-4b66-9352-8d0db098ec50"/>
+    <ds:schemaRef ds:uri="http://schemas.openxmlformats.org/package/2006/metadata/core-properties"/>
+    <ds:schemaRef ds:uri="http://purl.org/dc/elements/1.1/"/>
+    <ds:schemaRef ds:uri="http://schemas.microsoft.com/office/infopath/2007/PartnerControls"/>
+    <ds:schemaRef ds:uri="http://www.w3.org/XML/1998/namespace"/>
+  </ds:schemaRefs>
+</ds:datastoreItem>
 </file>
--- a/Airline_Information_Management.pptx
+++ b/Airline_Information_Management.pptx
@@ -390,7 +390,7 @@
           <a:p>
             <a:fld id="{6422C9F5-CE6F-4BEE-84C2-81E4985345AA}" type="datetimeFigureOut">
               <a:rPr lang="en-US" smtClean="0"/>
-              <a:t>12/20/2021</a:t>
+              <a:t>12/21/2021</a:t>
             </a:fld>
             <a:endParaRPr lang="en-US"/>
           </a:p>
@@ -588,7 +588,7 @@
           <a:p>
             <a:fld id="{6422C9F5-CE6F-4BEE-84C2-81E4985345AA}" type="datetimeFigureOut">
               <a:rPr lang="en-US" smtClean="0"/>
-              <a:t>12/20/2021</a:t>
+              <a:t>12/21/2021</a:t>
             </a:fld>
             <a:endParaRPr lang="en-US"/>
           </a:p>
@@ -796,7 +796,7 @@
           <a:p>
             <a:fld id="{6422C9F5-CE6F-4BEE-84C2-81E4985345AA}" type="datetimeFigureOut">
               <a:rPr lang="en-US" smtClean="0"/>
-              <a:t>12/20/2021</a:t>
+              <a:t>12/21/2021</a:t>
             </a:fld>
             <a:endParaRPr lang="en-US"/>
           </a:p>
@@ -994,7 +994,7 @@
           <a:p>
             <a:fld id="{6422C9F5-CE6F-4BEE-84C2-81E4985345AA}" type="datetimeFigureOut">
               <a:rPr lang="en-US" smtClean="0"/>
-              <a:t>12/20/2021</a:t>
+              <a:t>12/21/2021</a:t>
             </a:fld>
             <a:endParaRPr lang="en-US"/>
           </a:p>
@@ -1269,7 +1269,7 @@
           <a:p>
             <a:fld id="{6422C9F5-CE6F-4BEE-84C2-81E4985345AA}" type="datetimeFigureOut">
               <a:rPr lang="en-US" smtClean="0"/>
-              <a:t>12/20/2021</a:t>
+              <a:t>12/21/2021</a:t>
             </a:fld>
             <a:endParaRPr lang="en-US"/>
           </a:p>
@@ -1534,7 +1534,7 @@
           <a:p>
             <a:fld id="{6422C9F5-CE6F-4BEE-84C2-81E4985345AA}" type="datetimeFigureOut">
               <a:rPr lang="en-US" smtClean="0"/>
-              <a:t>12/20/2021</a:t>
+              <a:t>12/21/2021</a:t>
             </a:fld>
             <a:endParaRPr lang="en-US"/>
           </a:p>
@@ -1946,7 +1946,7 @@
           <a:p>
             <a:fld id="{6422C9F5-CE6F-4BEE-84C2-81E4985345AA}" type="datetimeFigureOut">
               <a:rPr lang="en-US" smtClean="0"/>
-              <a:t>12/20/2021</a:t>
+              <a:t>12/21/2021</a:t>
             </a:fld>
             <a:endParaRPr lang="en-US"/>
           </a:p>
@@ -2087,7 +2087,7 @@
           <a:p>
             <a:fld id="{6422C9F5-CE6F-4BEE-84C2-81E4985345AA}" type="datetimeFigureOut">
               <a:rPr lang="en-US" smtClean="0"/>
-              <a:t>12/20/2021</a:t>
+              <a:t>12/21/2021</a:t>
             </a:fld>
             <a:endParaRPr lang="en-US"/>
           </a:p>
@@ -2200,7 +2200,7 @@
           <a:p>
             <a:fld id="{6422C9F5-CE6F-4BEE-84C2-81E4985345AA}" type="datetimeFigureOut">
               <a:rPr lang="en-US" smtClean="0"/>
-              <a:t>12/20/2021</a:t>
+              <a:t>12/21/2021</a:t>
             </a:fld>
             <a:endParaRPr lang="en-US"/>
           </a:p>
@@ -2511,7 +2511,7 @@
           <a:p>
             <a:fld id="{6422C9F5-CE6F-4BEE-84C2-81E4985345AA}" type="datetimeFigureOut">
               <a:rPr lang="en-US" smtClean="0"/>
-              <a:t>12/20/2021</a:t>
+              <a:t>12/21/2021</a:t>
             </a:fld>
             <a:endParaRPr lang="en-US"/>
           </a:p>
@@ -2799,7 +2799,7 @@
           <a:p>
             <a:fld id="{6422C9F5-CE6F-4BEE-84C2-81E4985345AA}" type="datetimeFigureOut">
               <a:rPr lang="en-US" smtClean="0"/>
-              <a:t>12/20/2021</a:t>
+              <a:t>12/21/2021</a:t>
             </a:fld>
             <a:endParaRPr lang="en-US"/>
           </a:p>
@@ -3040,7 +3040,7 @@
           <a:p>
             <a:fld id="{6422C9F5-CE6F-4BEE-84C2-81E4985345AA}" type="datetimeFigureOut">
               <a:rPr lang="en-US" smtClean="0"/>
-              <a:t>12/20/2021</a:t>
+              <a:t>12/21/2021</a:t>
             </a:fld>
             <a:endParaRPr lang="en-US"/>
           </a:p>
@@ -6531,10 +6531,10 @@
       </p:grpSpPr>
       <p:pic>
         <p:nvPicPr>
-          <p:cNvPr id="10" name="Picture 9" descr="Diagram&#10;&#10;Description automatically generated">
-            <a:extLst>
-              <a:ext uri="{FF2B5EF4-FFF2-40B4-BE49-F238E27FC236}">
-                <a16:creationId xmlns:a16="http://schemas.microsoft.com/office/drawing/2014/main" id="{377E423E-4685-4568-AFF6-A505E374C86E}"/>
+          <p:cNvPr id="5" name="Picture 4" descr="A picture containing text, clipart&#10;&#10;Description automatically generated">
+            <a:extLst>
+              <a:ext uri="{FF2B5EF4-FFF2-40B4-BE49-F238E27FC236}">
+                <a16:creationId xmlns:a16="http://schemas.microsoft.com/office/drawing/2014/main" id="{AEEF4F80-6182-437F-8FB9-E546318E1786}"/>
               </a:ext>
             </a:extLst>
           </p:cNvPr>
@@ -6545,42 +6545,6 @@
         </p:nvPicPr>
         <p:blipFill>
           <a:blip r:embed="rId2">
-            <a:extLst>
-              <a:ext uri="{28A0092B-C50C-407E-A947-70E740481C1C}">
-                <a14:useLocalDpi xmlns:a14="http://schemas.microsoft.com/office/drawing/2010/main" val="0"/>
-              </a:ext>
-            </a:extLst>
-          </a:blip>
-          <a:stretch>
-            <a:fillRect/>
-          </a:stretch>
-        </p:blipFill>
-        <p:spPr>
-          <a:xfrm>
-            <a:off x="704851" y="1475576"/>
-            <a:ext cx="5450991" cy="5027351"/>
-          </a:xfrm>
-          <a:prstGeom prst="rect">
-            <a:avLst/>
-          </a:prstGeom>
-        </p:spPr>
-      </p:pic>
-      <p:pic>
-        <p:nvPicPr>
-          <p:cNvPr id="5" name="Picture 4" descr="A picture containing text, clipart&#10;&#10;Description automatically generated">
-            <a:extLst>
-              <a:ext uri="{FF2B5EF4-FFF2-40B4-BE49-F238E27FC236}">
-                <a16:creationId xmlns:a16="http://schemas.microsoft.com/office/drawing/2014/main" id="{AEEF4F80-6182-437F-8FB9-E546318E1786}"/>
-              </a:ext>
-            </a:extLst>
-          </p:cNvPr>
-          <p:cNvPicPr>
-            <a:picLocks noChangeAspect="1"/>
-          </p:cNvPicPr>
-          <p:nvPr/>
-        </p:nvPicPr>
-        <p:blipFill>
-          <a:blip r:embed="rId3">
             <a:extLst>
               <a:ext uri="{28A0092B-C50C-407E-A947-70E740481C1C}">
                 <a14:useLocalDpi xmlns:a14="http://schemas.microsoft.com/office/drawing/2010/main" val="0"/>
@@ -6693,7 +6657,7 @@
             </a:r>
             <a:r>
               <a:rPr lang="en-US" sz="2000" b="1" dirty="0">
-                <a:hlinkClick r:id="rId4"/>
+                <a:hlinkClick r:id="rId3"/>
               </a:rPr>
               <a:t>here</a:t>
             </a:r>
@@ -6701,6 +6665,42 @@
           </a:p>
         </p:txBody>
       </p:sp>
+      <p:pic>
+        <p:nvPicPr>
+          <p:cNvPr id="3" name="Picture 2" descr="Diagram&#10;&#10;Description automatically generated">
+            <a:extLst>
+              <a:ext uri="{FF2B5EF4-FFF2-40B4-BE49-F238E27FC236}">
+                <a16:creationId xmlns:a16="http://schemas.microsoft.com/office/drawing/2014/main" id="{A9D58235-EDDD-4763-B793-D44FC684F575}"/>
+              </a:ext>
+            </a:extLst>
+          </p:cNvPr>
+          <p:cNvPicPr>
+            <a:picLocks noChangeAspect="1"/>
+          </p:cNvPicPr>
+          <p:nvPr/>
+        </p:nvPicPr>
+        <p:blipFill>
+          <a:blip r:embed="rId4">
+            <a:extLst>
+              <a:ext uri="{28A0092B-C50C-407E-A947-70E740481C1C}">
+                <a14:useLocalDpi xmlns:a14="http://schemas.microsoft.com/office/drawing/2010/main" val="0"/>
+              </a:ext>
+            </a:extLst>
+          </a:blip>
+          <a:stretch>
+            <a:fillRect/>
+          </a:stretch>
+        </p:blipFill>
+        <p:spPr>
+          <a:xfrm>
+            <a:off x="816379" y="1485105"/>
+            <a:ext cx="5244872" cy="5011551"/>
+          </a:xfrm>
+          <a:prstGeom prst="rect">
+            <a:avLst/>
+          </a:prstGeom>
+        </p:spPr>
+      </p:pic>
     </p:spTree>
     <p:extLst>
       <p:ext uri="{BB962C8B-B14F-4D97-AF65-F5344CB8AC3E}">
@@ -9986,6 +9986,21 @@
 </file>
 
 <file path=customXml/item1.xml><?xml version="1.0" encoding="utf-8"?>
+<p:properties xmlns:p="http://schemas.microsoft.com/office/2006/metadata/properties" xmlns:xsi="http://www.w3.org/2001/XMLSchema-instance" xmlns:pc="http://schemas.microsoft.com/office/infopath/2007/PartnerControls">
+  <documentManagement/>
+</p:properties>
+</file>
+
+<file path=customXml/item2.xml><?xml version="1.0" encoding="utf-8"?>
+<?mso-contentType ?>
+<FormTemplates xmlns="http://schemas.microsoft.com/sharepoint/v3/contenttype/forms">
+  <Display>DocumentLibraryForm</Display>
+  <Edit>DocumentLibraryForm</Edit>
+  <New>DocumentLibraryForm</New>
+</FormTemplates>
+</file>
+
+<file path=customXml/item3.xml><?xml version="1.0" encoding="utf-8"?>
 <ct:contentTypeSchema xmlns:ct="http://schemas.microsoft.com/office/2006/metadata/contentType" xmlns:ma="http://schemas.microsoft.com/office/2006/metadata/properties/metaAttributes" ct:_="" ma:_="" ma:contentTypeName="Documento" ma:contentTypeID="0x01010014BC32AFF3718747B5A2CE47A88F3C6A" ma:contentTypeVersion="2" ma:contentTypeDescription="Criar um novo documento." ma:contentTypeScope="" ma:versionID="fee3d826901bcb9451dce0bbc19dadc3">
   <xsd:schema xmlns:xsd="http://www.w3.org/2001/XMLSchema" xmlns:xs="http://www.w3.org/2001/XMLSchema" xmlns:p="http://schemas.microsoft.com/office/2006/metadata/properties" xmlns:ns3="a47fcd35-67e3-4b66-9352-8d0db098ec50" targetNamespace="http://schemas.microsoft.com/office/2006/metadata/properties" ma:root="true" ma:fieldsID="deb6b73c7f47f6e6612a6af669b62c39" ns3:_="">
     <xsd:import namespace="a47fcd35-67e3-4b66-9352-8d0db098ec50"/>
@@ -10117,22 +10132,31 @@
 </ct:contentTypeSchema>
 </file>
 
-<file path=customXml/item2.xml><?xml version="1.0" encoding="utf-8"?>
-<?mso-contentType ?>
-<FormTemplates xmlns="http://schemas.microsoft.com/sharepoint/v3/contenttype/forms">
-  <Display>DocumentLibraryForm</Display>
-  <Edit>DocumentLibraryForm</Edit>
-  <New>DocumentLibraryForm</New>
-</FormTemplates>
+<file path=customXml/itemProps1.xml><?xml version="1.0" encoding="utf-8"?>
+<ds:datastoreItem xmlns:ds="http://schemas.openxmlformats.org/officeDocument/2006/customXml" ds:itemID="{05E380B0-3793-4519-A034-114F335A5299}">
+  <ds:schemaRefs>
+    <ds:schemaRef ds:uri="http://purl.org/dc/dcmitype/"/>
+    <ds:schemaRef ds:uri="http://purl.org/dc/terms/"/>
+    <ds:schemaRef ds:uri="http://schemas.microsoft.com/office/2006/metadata/properties"/>
+    <ds:schemaRef ds:uri="http://schemas.microsoft.com/office/2006/documentManagement/types"/>
+    <ds:schemaRef ds:uri="a47fcd35-67e3-4b66-9352-8d0db098ec50"/>
+    <ds:schemaRef ds:uri="http://schemas.openxmlformats.org/package/2006/metadata/core-properties"/>
+    <ds:schemaRef ds:uri="http://purl.org/dc/elements/1.1/"/>
+    <ds:schemaRef ds:uri="http://schemas.microsoft.com/office/infopath/2007/PartnerControls"/>
+    <ds:schemaRef ds:uri="http://www.w3.org/XML/1998/namespace"/>
+  </ds:schemaRefs>
+</ds:datastoreItem>
 </file>
 
-<file path=customXml/item3.xml><?xml version="1.0" encoding="utf-8"?>
-<p:properties xmlns:p="http://schemas.microsoft.com/office/2006/metadata/properties" xmlns:xsi="http://www.w3.org/2001/XMLSchema-instance" xmlns:pc="http://schemas.microsoft.com/office/infopath/2007/PartnerControls">
-  <documentManagement/>
-</p:properties>
+<file path=customXml/itemProps2.xml><?xml version="1.0" encoding="utf-8"?>
+<ds:datastoreItem xmlns:ds="http://schemas.openxmlformats.org/officeDocument/2006/customXml" ds:itemID="{76EE102A-C587-47D4-980D-6EF803504572}">
+  <ds:schemaRefs>
+    <ds:schemaRef ds:uri="http://schemas.microsoft.com/sharepoint/v3/contenttype/forms"/>
+  </ds:schemaRefs>
+</ds:datastoreItem>
 </file>
 
-<file path=customXml/itemProps1.xml><?xml version="1.0" encoding="utf-8"?>
+<file path=customXml/itemProps3.xml><?xml version="1.0" encoding="utf-8"?>
 <ds:datastoreItem xmlns:ds="http://schemas.openxmlformats.org/officeDocument/2006/customXml" ds:itemID="{9697E427-2E56-4B40-B661-233DAE44C32F}">
   <ds:schemaRefs>
     <ds:schemaRef ds:uri="http://schemas.microsoft.com/office/2006/metadata/contentType"/>
@@ -10148,28 +10172,4 @@
     <ds:schemaRef ds:uri="http://schemas.microsoft.com/internal/obd"/>
   </ds:schemaRefs>
 </ds:datastoreItem>
-</file>
-
-<file path=customXml/itemProps2.xml><?xml version="1.0" encoding="utf-8"?>
-<ds:datastoreItem xmlns:ds="http://schemas.openxmlformats.org/officeDocument/2006/customXml" ds:itemID="{76EE102A-C587-47D4-980D-6EF803504572}">
-  <ds:schemaRefs>
-    <ds:schemaRef ds:uri="http://schemas.microsoft.com/sharepoint/v3/contenttype/forms"/>
-  </ds:schemaRefs>
-</ds:datastoreItem>
-</file>
-
-<file path=customXml/itemProps3.xml><?xml version="1.0" encoding="utf-8"?>
-<ds:datastoreItem xmlns:ds="http://schemas.openxmlformats.org/officeDocument/2006/customXml" ds:itemID="{05E380B0-3793-4519-A034-114F335A5299}">
-  <ds:schemaRefs>
-    <ds:schemaRef ds:uri="http://purl.org/dc/dcmitype/"/>
-    <ds:schemaRef ds:uri="http://purl.org/dc/terms/"/>
-    <ds:schemaRef ds:uri="http://schemas.microsoft.com/office/2006/metadata/properties"/>
-    <ds:schemaRef ds:uri="http://schemas.microsoft.com/office/2006/documentManagement/types"/>
-    <ds:schemaRef ds:uri="a47fcd35-67e3-4b66-9352-8d0db098ec50"/>
-    <ds:schemaRef ds:uri="http://schemas.openxmlformats.org/package/2006/metadata/core-properties"/>
-    <ds:schemaRef ds:uri="http://purl.org/dc/elements/1.1/"/>
-    <ds:schemaRef ds:uri="http://schemas.microsoft.com/office/infopath/2007/PartnerControls"/>
-    <ds:schemaRef ds:uri="http://www.w3.org/XML/1998/namespace"/>
-  </ds:schemaRefs>
-</ds:datastoreItem>
 </file>
--- a/Airline_Information_Management.pptx
+++ b/Airline_Information_Management.pptx
@@ -5524,8 +5524,8 @@
         </p:nvSpPr>
         <p:spPr>
           <a:xfrm>
-            <a:off x="4042966" y="3021814"/>
-            <a:ext cx="3675797" cy="1453750"/>
+            <a:off x="4684414" y="3182394"/>
+            <a:ext cx="3675797" cy="1058867"/>
           </a:xfrm>
         </p:spPr>
         <p:txBody>
@@ -5874,8 +5874,8 @@
         </p:nvSpPr>
         <p:spPr>
           <a:xfrm>
-            <a:off x="350768" y="4470801"/>
-            <a:ext cx="5335658" cy="1453750"/>
+            <a:off x="350768" y="4470800"/>
+            <a:ext cx="5335658" cy="1816493"/>
           </a:xfrm>
           <a:prstGeom prst="rect">
             <a:avLst/>
@@ -6066,7 +6066,7 @@
             </a:pPr>
             <a:r>
               <a:rPr lang="en-US" sz="2000" dirty="0"/>
-              <a:t>An original html map file (exported from Python) is altered by simple string manipulation</a:t>
+              <a:t>An original html map file (exported from Python) is altered by simple string manipulation. Distances to the airport are calculated from coordinates.</a:t>
             </a:r>
             <a:endParaRPr lang="en-US" sz="2000" b="1" dirty="0"/>
           </a:p>
@@ -6303,7 +6303,7 @@
         <p:spPr>
           <a:xfrm>
             <a:off x="6096000" y="4470801"/>
-            <a:ext cx="5335658" cy="1453750"/>
+            <a:ext cx="5335658" cy="1541472"/>
           </a:xfrm>
           <a:prstGeom prst="rect">
             <a:avLst/>
@@ -7034,21 +7034,15 @@
           <a:p>
             <a:r>
               <a:rPr lang="pt-BR" sz="2000" dirty="0"/>
-              <a:t>posibility of exporting a map with marked fligths or (</a:t>
-            </a:r>
-            <a:r>
-              <a:rPr lang="en-US" sz="2000" b="1" i="0" dirty="0">
-                <a:solidFill>
-                  <a:srgbClr val="202122"/>
-                </a:solidFill>
-                <a:effectLst/>
-                <a:latin typeface="Arial" panose="020B0604020202020204" pitchFamily="34" charset="0"/>
-              </a:rPr>
-              <a:t>⊕</a:t>
+              <a:t>posibility of exporting a map with marked fligths </a:t>
+            </a:r>
+            <a:r>
+              <a:rPr lang="en-GB" sz="2000" dirty="0"/>
+              <a:t>and</a:t>
             </a:r>
             <a:r>
               <a:rPr lang="pt-BR" sz="2000" dirty="0"/>
-              <a:t>) the surroudings of an airport</a:t>
+              <a:t> the surroudings of an airport</a:t>
             </a:r>
           </a:p>
           <a:p>
@@ -7090,7 +7084,7 @@
           <a:p>
             <a:r>
               <a:rPr lang="en-US" sz="2000" dirty="0"/>
-              <a:t>Luggage is the only class with a specified delete functionality (we use dynamic memory allocation so a passenger can find their luggage)</a:t>
+              <a:t>Destructors weren’t implemented, because in the cases it made sense destructors would enter in conflict with pointers</a:t>
             </a:r>
           </a:p>
           <a:p>
@@ -9991,18 +9985,18 @@
 </file>
 
 <file path=customXml/item1.xml><?xml version="1.0" encoding="utf-8"?>
+<p:properties xmlns:p="http://schemas.microsoft.com/office/2006/metadata/properties" xmlns:xsi="http://www.w3.org/2001/XMLSchema-instance" xmlns:pc="http://schemas.microsoft.com/office/infopath/2007/PartnerControls">
+  <documentManagement/>
+</p:properties>
+</file>
+
+<file path=customXml/item2.xml><?xml version="1.0" encoding="utf-8"?>
 <?mso-contentType ?>
 <FormTemplates xmlns="http://schemas.microsoft.com/sharepoint/v3/contenttype/forms">
   <Display>DocumentLibraryForm</Display>
   <Edit>DocumentLibraryForm</Edit>
   <New>DocumentLibraryForm</New>
 </FormTemplates>
-</file>
-
-<file path=customXml/item2.xml><?xml version="1.0" encoding="utf-8"?>
-<p:properties xmlns:p="http://schemas.microsoft.com/office/2006/metadata/properties" xmlns:xsi="http://www.w3.org/2001/XMLSchema-instance" xmlns:pc="http://schemas.microsoft.com/office/infopath/2007/PartnerControls">
-  <documentManagement/>
-</p:properties>
 </file>
 
 <file path=customXml/item3.xml><?xml version="1.0" encoding="utf-8"?>
@@ -10138,14 +10132,6 @@
 </file>
 
 <file path=customXml/itemProps1.xml><?xml version="1.0" encoding="utf-8"?>
-<ds:datastoreItem xmlns:ds="http://schemas.openxmlformats.org/officeDocument/2006/customXml" ds:itemID="{76EE102A-C587-47D4-980D-6EF803504572}">
-  <ds:schemaRefs>
-    <ds:schemaRef ds:uri="http://schemas.microsoft.com/sharepoint/v3/contenttype/forms"/>
-  </ds:schemaRefs>
-</ds:datastoreItem>
-</file>
-
-<file path=customXml/itemProps2.xml><?xml version="1.0" encoding="utf-8"?>
 <ds:datastoreItem xmlns:ds="http://schemas.openxmlformats.org/officeDocument/2006/customXml" ds:itemID="{05E380B0-3793-4519-A034-114F335A5299}">
   <ds:schemaRefs>
     <ds:schemaRef ds:uri="http://purl.org/dc/dcmitype/"/>
@@ -10157,6 +10143,14 @@
     <ds:schemaRef ds:uri="http://purl.org/dc/elements/1.1/"/>
     <ds:schemaRef ds:uri="http://schemas.microsoft.com/office/infopath/2007/PartnerControls"/>
     <ds:schemaRef ds:uri="http://www.w3.org/XML/1998/namespace"/>
+  </ds:schemaRefs>
+</ds:datastoreItem>
+</file>
+
+<file path=customXml/itemProps2.xml><?xml version="1.0" encoding="utf-8"?>
+<ds:datastoreItem xmlns:ds="http://schemas.openxmlformats.org/officeDocument/2006/customXml" ds:itemID="{76EE102A-C587-47D4-980D-6EF803504572}">
+  <ds:schemaRefs>
+    <ds:schemaRef ds:uri="http://schemas.microsoft.com/sharepoint/v3/contenttype/forms"/>
   </ds:schemaRefs>
 </ds:datastoreItem>
 </file>
